--- a/주요 classes.pptx
+++ b/주요 classes.pptx
@@ -6,11 +6,13 @@
     <p:sldMasterId id="2147483727" r:id="rId2"/>
   </p:sldMasterIdLst>
   <p:notesMasterIdLst>
-    <p:notesMasterId r:id="rId5"/>
+    <p:notesMasterId r:id="rId7"/>
   </p:notesMasterIdLst>
   <p:sldIdLst>
     <p:sldId id="310" r:id="rId3"/>
     <p:sldId id="311" r:id="rId4"/>
+    <p:sldId id="312" r:id="rId5"/>
+    <p:sldId id="313" r:id="rId6"/>
   </p:sldIdLst>
   <p:sldSz cx="9144000" cy="6858000" type="screen4x3"/>
   <p:notesSz cx="6858000" cy="9144000"/>
@@ -181,6 +183,8 @@
           <p14:sldIdLst>
             <p14:sldId id="310"/>
             <p14:sldId id="311"/>
+            <p14:sldId id="312"/>
+            <p14:sldId id="313"/>
           </p14:sldIdLst>
         </p14:section>
       </p14:sectionLst>
@@ -4273,6 +4277,2745 @@
     <p:extLst>
       <p:ext uri="{BB962C8B-B14F-4D97-AF65-F5344CB8AC3E}">
         <p14:creationId xmlns:p14="http://schemas.microsoft.com/office/powerpoint/2010/main" val="1987366657"/>
+      </p:ext>
+    </p:extLst>
+  </p:cSld>
+  <p:clrMapOvr>
+    <a:masterClrMapping/>
+  </p:clrMapOvr>
+</p:sld>
+</file>
+
+<file path=ppt/slides/slide3.xml><?xml version="1.0" encoding="utf-8"?>
+<p:sld xmlns:a="http://schemas.openxmlformats.org/drawingml/2006/main" xmlns:r="http://schemas.openxmlformats.org/officeDocument/2006/relationships" xmlns:p="http://schemas.openxmlformats.org/presentationml/2006/main">
+  <p:cSld>
+    <p:spTree>
+      <p:nvGrpSpPr>
+        <p:cNvPr id="1" name=""/>
+        <p:cNvGrpSpPr/>
+        <p:nvPr/>
+      </p:nvGrpSpPr>
+      <p:grpSpPr>
+        <a:xfrm>
+          <a:off x="0" y="0"/>
+          <a:ext cx="0" cy="0"/>
+          <a:chOff x="0" y="0"/>
+          <a:chExt cx="0" cy="0"/>
+        </a:xfrm>
+      </p:grpSpPr>
+      <p:sp>
+        <p:nvSpPr>
+          <p:cNvPr id="2" name="제목 1">
+            <a:extLst>
+              <a:ext uri="{FF2B5EF4-FFF2-40B4-BE49-F238E27FC236}">
+                <a16:creationId xmlns:a16="http://schemas.microsoft.com/office/drawing/2014/main" id="{18C82DEA-9FDF-49C2-ADD9-51191E2B9D72}"/>
+              </a:ext>
+            </a:extLst>
+          </p:cNvPr>
+          <p:cNvSpPr>
+            <a:spLocks noGrp="1"/>
+          </p:cNvSpPr>
+          <p:nvPr>
+            <p:ph type="title"/>
+          </p:nvPr>
+        </p:nvSpPr>
+        <p:spPr/>
+        <p:txBody>
+          <a:bodyPr/>
+          <a:lstStyle/>
+          <a:p>
+            <a:endParaRPr lang="ko-KR" altLang="en-US" dirty="0"/>
+          </a:p>
+        </p:txBody>
+      </p:sp>
+      <p:sp>
+        <p:nvSpPr>
+          <p:cNvPr id="4" name="슬라이드 번호 개체 틀 3">
+            <a:extLst>
+              <a:ext uri="{FF2B5EF4-FFF2-40B4-BE49-F238E27FC236}">
+                <a16:creationId xmlns:a16="http://schemas.microsoft.com/office/drawing/2014/main" id="{3B9743E6-8A1A-4FA9-9568-75933073CE17}"/>
+              </a:ext>
+            </a:extLst>
+          </p:cNvPr>
+          <p:cNvSpPr>
+            <a:spLocks noGrp="1"/>
+          </p:cNvSpPr>
+          <p:nvPr>
+            <p:ph type="sldNum" sz="quarter" idx="12"/>
+          </p:nvPr>
+        </p:nvSpPr>
+        <p:spPr/>
+        <p:txBody>
+          <a:bodyPr/>
+          <a:lstStyle/>
+          <a:p>
+            <a:pPr>
+              <a:defRPr/>
+            </a:pPr>
+            <a:fld id="{C306A839-116B-4D11-88AC-3399AE2BA410}" type="slidenum">
+              <a:rPr lang="en-US" altLang="ko-KR" smtClean="0"/>
+              <a:pPr>
+                <a:defRPr/>
+              </a:pPr>
+              <a:t>3</a:t>
+            </a:fld>
+            <a:endParaRPr lang="en-US" altLang="ko-KR"/>
+          </a:p>
+        </p:txBody>
+      </p:sp>
+      <p:grpSp>
+        <p:nvGrpSpPr>
+          <p:cNvPr id="5" name="그룹 4">
+            <a:extLst>
+              <a:ext uri="{FF2B5EF4-FFF2-40B4-BE49-F238E27FC236}">
+                <a16:creationId xmlns:a16="http://schemas.microsoft.com/office/drawing/2014/main" id="{97826D4F-8BC9-4AF5-A4E5-C92086D424EE}"/>
+              </a:ext>
+            </a:extLst>
+          </p:cNvPr>
+          <p:cNvGrpSpPr/>
+          <p:nvPr/>
+        </p:nvGrpSpPr>
+        <p:grpSpPr>
+          <a:xfrm>
+            <a:off x="759939" y="1196752"/>
+            <a:ext cx="7493527" cy="5409517"/>
+            <a:chOff x="759939" y="1196752"/>
+            <a:chExt cx="7493527" cy="5409517"/>
+          </a:xfrm>
+        </p:grpSpPr>
+        <p:pic>
+          <p:nvPicPr>
+            <p:cNvPr id="6" name="그림 5">
+              <a:extLst>
+                <a:ext uri="{FF2B5EF4-FFF2-40B4-BE49-F238E27FC236}">
+                  <a16:creationId xmlns:a16="http://schemas.microsoft.com/office/drawing/2014/main" id="{B17D5DD1-0F23-4B9F-8397-EE773AD371AC}"/>
+                </a:ext>
+              </a:extLst>
+            </p:cNvPr>
+            <p:cNvPicPr>
+              <a:picLocks noChangeAspect="1"/>
+            </p:cNvPicPr>
+            <p:nvPr/>
+          </p:nvPicPr>
+          <p:blipFill>
+            <a:blip r:embed="rId2">
+              <a:extLst>
+                <a:ext uri="{28A0092B-C50C-407E-A947-70E740481C1C}">
+                  <a14:useLocalDpi xmlns:a14="http://schemas.microsoft.com/office/drawing/2010/main" val="0"/>
+                </a:ext>
+              </a:extLst>
+            </a:blip>
+            <a:stretch>
+              <a:fillRect/>
+            </a:stretch>
+          </p:blipFill>
+          <p:spPr>
+            <a:xfrm>
+              <a:off x="1043608" y="1196752"/>
+              <a:ext cx="7209858" cy="5409517"/>
+            </a:xfrm>
+            <a:prstGeom prst="rect">
+              <a:avLst/>
+            </a:prstGeom>
+          </p:spPr>
+        </p:pic>
+        <p:sp>
+          <p:nvSpPr>
+            <p:cNvPr id="7" name="TextBox 6">
+              <a:extLst>
+                <a:ext uri="{FF2B5EF4-FFF2-40B4-BE49-F238E27FC236}">
+                  <a16:creationId xmlns:a16="http://schemas.microsoft.com/office/drawing/2014/main" id="{DF534260-4E58-4CD3-BA66-B55A4138EA90}"/>
+                </a:ext>
+              </a:extLst>
+            </p:cNvPr>
+            <p:cNvSpPr txBox="1"/>
+            <p:nvPr/>
+          </p:nvSpPr>
+          <p:spPr>
+            <a:xfrm>
+              <a:off x="3648708" y="2432251"/>
+              <a:ext cx="134652" cy="246221"/>
+            </a:xfrm>
+            <a:prstGeom prst="rect">
+              <a:avLst/>
+            </a:prstGeom>
+            <a:solidFill>
+              <a:schemeClr val="bg1"/>
+            </a:solidFill>
+          </p:spPr>
+          <p:txBody>
+            <a:bodyPr wrap="none" lIns="0" tIns="0" rIns="0" bIns="0" rtlCol="0">
+              <a:spAutoFit/>
+            </a:bodyPr>
+            <a:lstStyle/>
+            <a:p>
+              <a:r>
+                <a:rPr lang="en-US" altLang="ko-KR" sz="1600" dirty="0">
+                  <a:solidFill>
+                    <a:srgbClr val="FF0000"/>
+                  </a:solidFill>
+                  <a:latin typeface="맑은 고딕" panose="020B0503020000020004" pitchFamily="50" charset="-127"/>
+                  <a:ea typeface="맑은 고딕" panose="020B0503020000020004" pitchFamily="50" charset="-127"/>
+                </a:rPr>
+                <a:t>A</a:t>
+              </a:r>
+              <a:endParaRPr lang="ko-KR" altLang="en-US" sz="1600" dirty="0">
+                <a:solidFill>
+                  <a:srgbClr val="FF0000"/>
+                </a:solidFill>
+                <a:latin typeface="맑은 고딕" panose="020B0503020000020004" pitchFamily="50" charset="-127"/>
+                <a:ea typeface="맑은 고딕" panose="020B0503020000020004" pitchFamily="50" charset="-127"/>
+              </a:endParaRPr>
+            </a:p>
+          </p:txBody>
+        </p:sp>
+        <p:sp>
+          <p:nvSpPr>
+            <p:cNvPr id="8" name="TextBox 7">
+              <a:extLst>
+                <a:ext uri="{FF2B5EF4-FFF2-40B4-BE49-F238E27FC236}">
+                  <a16:creationId xmlns:a16="http://schemas.microsoft.com/office/drawing/2014/main" id="{FF9E9F68-C289-45DE-B9F3-E2AE86DA5AA4}"/>
+                </a:ext>
+              </a:extLst>
+            </p:cNvPr>
+            <p:cNvSpPr txBox="1"/>
+            <p:nvPr/>
+          </p:nvSpPr>
+          <p:spPr>
+            <a:xfrm>
+              <a:off x="1193365" y="4284557"/>
+              <a:ext cx="129844" cy="246221"/>
+            </a:xfrm>
+            <a:prstGeom prst="rect">
+              <a:avLst/>
+            </a:prstGeom>
+            <a:solidFill>
+              <a:schemeClr val="bg1"/>
+            </a:solidFill>
+          </p:spPr>
+          <p:txBody>
+            <a:bodyPr wrap="none" lIns="0" tIns="0" rIns="0" bIns="0" rtlCol="0">
+              <a:spAutoFit/>
+            </a:bodyPr>
+            <a:lstStyle/>
+            <a:p>
+              <a:r>
+                <a:rPr lang="en-US" altLang="ko-KR" sz="1600" dirty="0">
+                  <a:solidFill>
+                    <a:srgbClr val="FF0000"/>
+                  </a:solidFill>
+                  <a:latin typeface="맑은 고딕" panose="020B0503020000020004" pitchFamily="50" charset="-127"/>
+                  <a:ea typeface="맑은 고딕" panose="020B0503020000020004" pitchFamily="50" charset="-127"/>
+                </a:rPr>
+                <a:t>C</a:t>
+              </a:r>
+              <a:endParaRPr lang="ko-KR" altLang="en-US" sz="1600" dirty="0">
+                <a:solidFill>
+                  <a:srgbClr val="FF0000"/>
+                </a:solidFill>
+                <a:latin typeface="맑은 고딕" panose="020B0503020000020004" pitchFamily="50" charset="-127"/>
+                <a:ea typeface="맑은 고딕" panose="020B0503020000020004" pitchFamily="50" charset="-127"/>
+              </a:endParaRPr>
+            </a:p>
+          </p:txBody>
+        </p:sp>
+        <p:sp>
+          <p:nvSpPr>
+            <p:cNvPr id="9" name="TextBox 8">
+              <a:extLst>
+                <a:ext uri="{FF2B5EF4-FFF2-40B4-BE49-F238E27FC236}">
+                  <a16:creationId xmlns:a16="http://schemas.microsoft.com/office/drawing/2014/main" id="{B8A4698A-7AF9-4F4E-8925-77F92E8AB7A9}"/>
+                </a:ext>
+              </a:extLst>
+            </p:cNvPr>
+            <p:cNvSpPr txBox="1"/>
+            <p:nvPr/>
+          </p:nvSpPr>
+          <p:spPr>
+            <a:xfrm>
+              <a:off x="1519749" y="4284557"/>
+              <a:ext cx="147476" cy="246221"/>
+            </a:xfrm>
+            <a:prstGeom prst="rect">
+              <a:avLst/>
+            </a:prstGeom>
+            <a:solidFill>
+              <a:schemeClr val="bg1"/>
+            </a:solidFill>
+          </p:spPr>
+          <p:txBody>
+            <a:bodyPr wrap="square" lIns="0" tIns="0" rIns="0" bIns="0" rtlCol="0">
+              <a:spAutoFit/>
+            </a:bodyPr>
+            <a:lstStyle/>
+            <a:p>
+              <a:r>
+                <a:rPr lang="en-US" altLang="ko-KR" sz="1600" dirty="0">
+                  <a:solidFill>
+                    <a:srgbClr val="FF0000"/>
+                  </a:solidFill>
+                  <a:latin typeface="맑은 고딕" panose="020B0503020000020004" pitchFamily="50" charset="-127"/>
+                  <a:ea typeface="맑은 고딕" panose="020B0503020000020004" pitchFamily="50" charset="-127"/>
+                </a:rPr>
+                <a:t>D</a:t>
+              </a:r>
+              <a:endParaRPr lang="ko-KR" altLang="en-US" sz="1600" dirty="0">
+                <a:solidFill>
+                  <a:srgbClr val="FF0000"/>
+                </a:solidFill>
+                <a:latin typeface="맑은 고딕" panose="020B0503020000020004" pitchFamily="50" charset="-127"/>
+                <a:ea typeface="맑은 고딕" panose="020B0503020000020004" pitchFamily="50" charset="-127"/>
+              </a:endParaRPr>
+            </a:p>
+          </p:txBody>
+        </p:sp>
+        <p:sp>
+          <p:nvSpPr>
+            <p:cNvPr id="10" name="TextBox 9">
+              <a:extLst>
+                <a:ext uri="{FF2B5EF4-FFF2-40B4-BE49-F238E27FC236}">
+                  <a16:creationId xmlns:a16="http://schemas.microsoft.com/office/drawing/2014/main" id="{B73C558E-A5EB-49FA-A347-394F487E7919}"/>
+                </a:ext>
+              </a:extLst>
+            </p:cNvPr>
+            <p:cNvSpPr txBox="1"/>
+            <p:nvPr/>
+          </p:nvSpPr>
+          <p:spPr>
+            <a:xfrm>
+              <a:off x="1180357" y="2296872"/>
+              <a:ext cx="147476" cy="246221"/>
+            </a:xfrm>
+            <a:prstGeom prst="rect">
+              <a:avLst/>
+            </a:prstGeom>
+            <a:solidFill>
+              <a:schemeClr val="bg1"/>
+            </a:solidFill>
+          </p:spPr>
+          <p:txBody>
+            <a:bodyPr wrap="none" lIns="0" tIns="0" rIns="0" bIns="0" rtlCol="0">
+              <a:spAutoFit/>
+            </a:bodyPr>
+            <a:lstStyle/>
+            <a:p>
+              <a:r>
+                <a:rPr lang="en-US" altLang="ko-KR" sz="1600" dirty="0">
+                  <a:solidFill>
+                    <a:srgbClr val="FF0000"/>
+                  </a:solidFill>
+                  <a:latin typeface="맑은 고딕" panose="020B0503020000020004" pitchFamily="50" charset="-127"/>
+                  <a:ea typeface="맑은 고딕" panose="020B0503020000020004" pitchFamily="50" charset="-127"/>
+                </a:rPr>
+                <a:t>G</a:t>
+              </a:r>
+              <a:endParaRPr lang="ko-KR" altLang="en-US" sz="1600" dirty="0">
+                <a:solidFill>
+                  <a:srgbClr val="FF0000"/>
+                </a:solidFill>
+                <a:latin typeface="맑은 고딕" panose="020B0503020000020004" pitchFamily="50" charset="-127"/>
+                <a:ea typeface="맑은 고딕" panose="020B0503020000020004" pitchFamily="50" charset="-127"/>
+              </a:endParaRPr>
+            </a:p>
+          </p:txBody>
+        </p:sp>
+        <p:sp>
+          <p:nvSpPr>
+            <p:cNvPr id="12" name="화살표: 아래쪽 11">
+              <a:extLst>
+                <a:ext uri="{FF2B5EF4-FFF2-40B4-BE49-F238E27FC236}">
+                  <a16:creationId xmlns:a16="http://schemas.microsoft.com/office/drawing/2014/main" id="{889FA8F3-8298-4C7B-B91F-DD3C3D011DDD}"/>
+                </a:ext>
+              </a:extLst>
+            </p:cNvPr>
+            <p:cNvSpPr/>
+            <p:nvPr/>
+          </p:nvSpPr>
+          <p:spPr bwMode="auto">
+            <a:xfrm rot="3667124">
+              <a:off x="2997077" y="1954596"/>
+              <a:ext cx="273860" cy="540000"/>
+            </a:xfrm>
+            <a:prstGeom prst="downArrow">
+              <a:avLst/>
+            </a:prstGeom>
+            <a:solidFill>
+              <a:schemeClr val="bg1"/>
+            </a:solidFill>
+            <a:ln w="15875" cap="flat" cmpd="sng" algn="ctr">
+              <a:solidFill>
+                <a:schemeClr val="tx1"/>
+              </a:solidFill>
+              <a:prstDash val="solid"/>
+              <a:round/>
+              <a:headEnd type="none" w="med" len="med"/>
+              <a:tailEnd type="none" w="med" len="med"/>
+            </a:ln>
+            <a:effectLst/>
+          </p:spPr>
+          <p:txBody>
+            <a:bodyPr vert="horz" wrap="none" lIns="0" tIns="0" rIns="0" bIns="0" numCol="1" rtlCol="0" anchor="ctr" anchorCtr="1" compatLnSpc="1">
+              <a:prstTxWarp prst="textNoShape">
+                <a:avLst/>
+              </a:prstTxWarp>
+            </a:bodyPr>
+            <a:lstStyle/>
+            <a:p>
+              <a:pPr marL="0" marR="0" indent="0" algn="l" defTabSz="914400" rtl="0" eaLnBrk="1" fontAlgn="base" latinLnBrk="1" hangingPunct="1">
+                <a:lnSpc>
+                  <a:spcPct val="100000"/>
+                </a:lnSpc>
+                <a:spcBef>
+                  <a:spcPct val="0"/>
+                </a:spcBef>
+                <a:spcAft>
+                  <a:spcPct val="0"/>
+                </a:spcAft>
+                <a:buClrTx/>
+                <a:buSzTx/>
+                <a:buFontTx/>
+                <a:buNone/>
+                <a:tabLst/>
+              </a:pPr>
+              <a:endParaRPr kumimoji="1" lang="ko-KR" altLang="en-US" sz="1400" b="0" i="0" u="none" strike="noStrike" cap="none" normalizeH="0" baseline="0" dirty="0" err="1">
+                <a:ln>
+                  <a:noFill/>
+                </a:ln>
+                <a:solidFill>
+                  <a:schemeClr val="tx1"/>
+                </a:solidFill>
+                <a:effectLst/>
+                <a:latin typeface="맑은 고딕" panose="020B0503020000020004" pitchFamily="50" charset="-127"/>
+                <a:ea typeface="맑은 고딕" panose="020B0503020000020004" pitchFamily="50" charset="-127"/>
+              </a:endParaRPr>
+            </a:p>
+          </p:txBody>
+        </p:sp>
+        <p:sp>
+          <p:nvSpPr>
+            <p:cNvPr id="14" name="화살표: 아래쪽 13">
+              <a:extLst>
+                <a:ext uri="{FF2B5EF4-FFF2-40B4-BE49-F238E27FC236}">
+                  <a16:creationId xmlns:a16="http://schemas.microsoft.com/office/drawing/2014/main" id="{8FED061B-D2A0-4335-B3BA-D97D4ED10F59}"/>
+                </a:ext>
+              </a:extLst>
+            </p:cNvPr>
+            <p:cNvSpPr/>
+            <p:nvPr/>
+          </p:nvSpPr>
+          <p:spPr bwMode="auto">
+            <a:xfrm rot="14099618">
+              <a:off x="910739" y="5896683"/>
+              <a:ext cx="273860" cy="540000"/>
+            </a:xfrm>
+            <a:prstGeom prst="downArrow">
+              <a:avLst/>
+            </a:prstGeom>
+            <a:solidFill>
+              <a:schemeClr val="bg1"/>
+            </a:solidFill>
+            <a:ln w="15875" cap="flat" cmpd="sng" algn="ctr">
+              <a:solidFill>
+                <a:schemeClr val="tx1"/>
+              </a:solidFill>
+              <a:prstDash val="solid"/>
+              <a:round/>
+              <a:headEnd type="none" w="med" len="med"/>
+              <a:tailEnd type="none" w="med" len="med"/>
+            </a:ln>
+            <a:effectLst/>
+          </p:spPr>
+          <p:txBody>
+            <a:bodyPr vert="horz" wrap="none" lIns="0" tIns="0" rIns="0" bIns="0" numCol="1" rtlCol="0" anchor="ctr" anchorCtr="1" compatLnSpc="1">
+              <a:prstTxWarp prst="textNoShape">
+                <a:avLst/>
+              </a:prstTxWarp>
+            </a:bodyPr>
+            <a:lstStyle/>
+            <a:p>
+              <a:pPr marL="0" marR="0" indent="0" algn="l" defTabSz="914400" rtl="0" eaLnBrk="1" fontAlgn="base" latinLnBrk="1" hangingPunct="1">
+                <a:lnSpc>
+                  <a:spcPct val="100000"/>
+                </a:lnSpc>
+                <a:spcBef>
+                  <a:spcPct val="0"/>
+                </a:spcBef>
+                <a:spcAft>
+                  <a:spcPct val="0"/>
+                </a:spcAft>
+                <a:buClrTx/>
+                <a:buSzTx/>
+                <a:buFontTx/>
+                <a:buNone/>
+                <a:tabLst/>
+              </a:pPr>
+              <a:endParaRPr kumimoji="1" lang="ko-KR" altLang="en-US" sz="1400" b="0" i="0" u="none" strike="noStrike" cap="none" normalizeH="0" baseline="0" dirty="0" err="1">
+                <a:ln>
+                  <a:noFill/>
+                </a:ln>
+                <a:solidFill>
+                  <a:schemeClr val="tx1"/>
+                </a:solidFill>
+                <a:effectLst/>
+                <a:latin typeface="맑은 고딕" panose="020B0503020000020004" pitchFamily="50" charset="-127"/>
+                <a:ea typeface="맑은 고딕" panose="020B0503020000020004" pitchFamily="50" charset="-127"/>
+              </a:endParaRPr>
+            </a:p>
+          </p:txBody>
+        </p:sp>
+        <p:sp>
+          <p:nvSpPr>
+            <p:cNvPr id="15" name="TextBox 14">
+              <a:extLst>
+                <a:ext uri="{FF2B5EF4-FFF2-40B4-BE49-F238E27FC236}">
+                  <a16:creationId xmlns:a16="http://schemas.microsoft.com/office/drawing/2014/main" id="{2DD7E8F6-E9CD-4CE5-885A-A6B0A183B20B}"/>
+                </a:ext>
+              </a:extLst>
+            </p:cNvPr>
+            <p:cNvSpPr txBox="1"/>
+            <p:nvPr/>
+          </p:nvSpPr>
+          <p:spPr>
+            <a:xfrm>
+              <a:off x="5031274" y="2013457"/>
+              <a:ext cx="227626" cy="246221"/>
+            </a:xfrm>
+            <a:prstGeom prst="rect">
+              <a:avLst/>
+            </a:prstGeom>
+            <a:solidFill>
+              <a:schemeClr val="bg1"/>
+            </a:solidFill>
+          </p:spPr>
+          <p:txBody>
+            <a:bodyPr wrap="none" lIns="0" tIns="0" rIns="0" bIns="0" rtlCol="0">
+              <a:spAutoFit/>
+            </a:bodyPr>
+            <a:lstStyle/>
+            <a:p>
+              <a:r>
+                <a:rPr lang="en-US" altLang="ko-KR" sz="1600" dirty="0">
+                  <a:solidFill>
+                    <a:srgbClr val="FF0000"/>
+                  </a:solidFill>
+                  <a:latin typeface="맑은 고딕" panose="020B0503020000020004" pitchFamily="50" charset="-127"/>
+                  <a:ea typeface="맑은 고딕" panose="020B0503020000020004" pitchFamily="50" charset="-127"/>
+                </a:rPr>
+                <a:t>04</a:t>
+              </a:r>
+              <a:endParaRPr lang="ko-KR" altLang="en-US" sz="1600" dirty="0">
+                <a:solidFill>
+                  <a:srgbClr val="FF0000"/>
+                </a:solidFill>
+                <a:latin typeface="맑은 고딕" panose="020B0503020000020004" pitchFamily="50" charset="-127"/>
+                <a:ea typeface="맑은 고딕" panose="020B0503020000020004" pitchFamily="50" charset="-127"/>
+              </a:endParaRPr>
+            </a:p>
+          </p:txBody>
+        </p:sp>
+        <p:sp>
+          <p:nvSpPr>
+            <p:cNvPr id="16" name="TextBox 15">
+              <a:extLst>
+                <a:ext uri="{FF2B5EF4-FFF2-40B4-BE49-F238E27FC236}">
+                  <a16:creationId xmlns:a16="http://schemas.microsoft.com/office/drawing/2014/main" id="{0CFB788F-35BE-4DEC-8AB7-5ADB20B077A8}"/>
+                </a:ext>
+              </a:extLst>
+            </p:cNvPr>
+            <p:cNvSpPr txBox="1"/>
+            <p:nvPr/>
+          </p:nvSpPr>
+          <p:spPr>
+            <a:xfrm>
+              <a:off x="3349553" y="2159784"/>
+              <a:ext cx="227626" cy="246221"/>
+            </a:xfrm>
+            <a:prstGeom prst="rect">
+              <a:avLst/>
+            </a:prstGeom>
+            <a:solidFill>
+              <a:schemeClr val="bg1"/>
+            </a:solidFill>
+          </p:spPr>
+          <p:txBody>
+            <a:bodyPr wrap="none" lIns="0" tIns="0" rIns="0" bIns="0" rtlCol="0">
+              <a:spAutoFit/>
+            </a:bodyPr>
+            <a:lstStyle/>
+            <a:p>
+              <a:r>
+                <a:rPr lang="en-US" altLang="ko-KR" sz="1600" dirty="0">
+                  <a:solidFill>
+                    <a:srgbClr val="FF0000"/>
+                  </a:solidFill>
+                  <a:latin typeface="맑은 고딕" panose="020B0503020000020004" pitchFamily="50" charset="-127"/>
+                  <a:ea typeface="맑은 고딕" panose="020B0503020000020004" pitchFamily="50" charset="-127"/>
+                </a:rPr>
+                <a:t>05</a:t>
+              </a:r>
+              <a:endParaRPr lang="ko-KR" altLang="en-US" sz="1600" dirty="0">
+                <a:solidFill>
+                  <a:srgbClr val="FF0000"/>
+                </a:solidFill>
+                <a:latin typeface="맑은 고딕" panose="020B0503020000020004" pitchFamily="50" charset="-127"/>
+                <a:ea typeface="맑은 고딕" panose="020B0503020000020004" pitchFamily="50" charset="-127"/>
+              </a:endParaRPr>
+            </a:p>
+          </p:txBody>
+        </p:sp>
+        <p:sp>
+          <p:nvSpPr>
+            <p:cNvPr id="17" name="TextBox 16">
+              <a:extLst>
+                <a:ext uri="{FF2B5EF4-FFF2-40B4-BE49-F238E27FC236}">
+                  <a16:creationId xmlns:a16="http://schemas.microsoft.com/office/drawing/2014/main" id="{53F3B1E2-F094-4A1E-AC87-CA4DDE9FACFC}"/>
+                </a:ext>
+              </a:extLst>
+            </p:cNvPr>
+            <p:cNvSpPr txBox="1"/>
+            <p:nvPr/>
+          </p:nvSpPr>
+          <p:spPr>
+            <a:xfrm>
+              <a:off x="817857" y="2822067"/>
+              <a:ext cx="227626" cy="246221"/>
+            </a:xfrm>
+            <a:prstGeom prst="rect">
+              <a:avLst/>
+            </a:prstGeom>
+            <a:solidFill>
+              <a:schemeClr val="bg1"/>
+            </a:solidFill>
+          </p:spPr>
+          <p:txBody>
+            <a:bodyPr wrap="none" lIns="0" tIns="0" rIns="0" bIns="0" rtlCol="0">
+              <a:spAutoFit/>
+            </a:bodyPr>
+            <a:lstStyle/>
+            <a:p>
+              <a:r>
+                <a:rPr lang="en-US" altLang="ko-KR" sz="1600" dirty="0">
+                  <a:solidFill>
+                    <a:srgbClr val="FF0000"/>
+                  </a:solidFill>
+                  <a:latin typeface="맑은 고딕" panose="020B0503020000020004" pitchFamily="50" charset="-127"/>
+                  <a:ea typeface="맑은 고딕" panose="020B0503020000020004" pitchFamily="50" charset="-127"/>
+                </a:rPr>
+                <a:t>06</a:t>
+              </a:r>
+              <a:endParaRPr lang="ko-KR" altLang="en-US" sz="1600" dirty="0">
+                <a:solidFill>
+                  <a:srgbClr val="FF0000"/>
+                </a:solidFill>
+                <a:latin typeface="맑은 고딕" panose="020B0503020000020004" pitchFamily="50" charset="-127"/>
+                <a:ea typeface="맑은 고딕" panose="020B0503020000020004" pitchFamily="50" charset="-127"/>
+              </a:endParaRPr>
+            </a:p>
+          </p:txBody>
+        </p:sp>
+        <p:sp>
+          <p:nvSpPr>
+            <p:cNvPr id="18" name="TextBox 17">
+              <a:extLst>
+                <a:ext uri="{FF2B5EF4-FFF2-40B4-BE49-F238E27FC236}">
+                  <a16:creationId xmlns:a16="http://schemas.microsoft.com/office/drawing/2014/main" id="{7914F281-A392-4167-856D-7856C73D2586}"/>
+                </a:ext>
+              </a:extLst>
+            </p:cNvPr>
+            <p:cNvSpPr txBox="1"/>
+            <p:nvPr/>
+          </p:nvSpPr>
+          <p:spPr>
+            <a:xfrm>
+              <a:off x="759939" y="5883718"/>
+              <a:ext cx="227626" cy="246221"/>
+            </a:xfrm>
+            <a:prstGeom prst="rect">
+              <a:avLst/>
+            </a:prstGeom>
+            <a:solidFill>
+              <a:schemeClr val="bg1"/>
+            </a:solidFill>
+          </p:spPr>
+          <p:txBody>
+            <a:bodyPr wrap="none" lIns="0" tIns="0" rIns="0" bIns="0" rtlCol="0">
+              <a:spAutoFit/>
+            </a:bodyPr>
+            <a:lstStyle/>
+            <a:p>
+              <a:r>
+                <a:rPr lang="en-US" altLang="ko-KR" sz="1600" dirty="0">
+                  <a:solidFill>
+                    <a:srgbClr val="FF0000"/>
+                  </a:solidFill>
+                  <a:latin typeface="맑은 고딕" panose="020B0503020000020004" pitchFamily="50" charset="-127"/>
+                  <a:ea typeface="맑은 고딕" panose="020B0503020000020004" pitchFamily="50" charset="-127"/>
+                </a:rPr>
+                <a:t>07</a:t>
+              </a:r>
+              <a:endParaRPr lang="ko-KR" altLang="en-US" sz="1600" dirty="0">
+                <a:solidFill>
+                  <a:srgbClr val="FF0000"/>
+                </a:solidFill>
+                <a:latin typeface="맑은 고딕" panose="020B0503020000020004" pitchFamily="50" charset="-127"/>
+                <a:ea typeface="맑은 고딕" panose="020B0503020000020004" pitchFamily="50" charset="-127"/>
+              </a:endParaRPr>
+            </a:p>
+          </p:txBody>
+        </p:sp>
+        <p:sp>
+          <p:nvSpPr>
+            <p:cNvPr id="3" name="직사각형 2">
+              <a:extLst>
+                <a:ext uri="{FF2B5EF4-FFF2-40B4-BE49-F238E27FC236}">
+                  <a16:creationId xmlns:a16="http://schemas.microsoft.com/office/drawing/2014/main" id="{08662E04-DFBB-4911-9AAD-2B77819E5981}"/>
+                </a:ext>
+              </a:extLst>
+            </p:cNvPr>
+            <p:cNvSpPr/>
+            <p:nvPr/>
+          </p:nvSpPr>
+          <p:spPr bwMode="auto">
+            <a:xfrm>
+              <a:off x="2267744" y="2406005"/>
+              <a:ext cx="2866406" cy="320129"/>
+            </a:xfrm>
+            <a:prstGeom prst="rect">
+              <a:avLst/>
+            </a:prstGeom>
+            <a:noFill/>
+            <a:ln w="25400" cap="flat" cmpd="sng" algn="ctr">
+              <a:solidFill>
+                <a:srgbClr val="FF0000"/>
+              </a:solidFill>
+              <a:prstDash val="solid"/>
+              <a:round/>
+              <a:headEnd type="none" w="med" len="med"/>
+              <a:tailEnd type="none" w="med" len="med"/>
+            </a:ln>
+            <a:effectLst/>
+          </p:spPr>
+          <p:txBody>
+            <a:bodyPr vert="horz" wrap="none" lIns="0" tIns="0" rIns="0" bIns="0" numCol="1" rtlCol="0" anchor="ctr" anchorCtr="1" compatLnSpc="1">
+              <a:prstTxWarp prst="textNoShape">
+                <a:avLst/>
+              </a:prstTxWarp>
+            </a:bodyPr>
+            <a:lstStyle/>
+            <a:p>
+              <a:pPr marL="0" marR="0" indent="0" algn="l" defTabSz="914400" rtl="0" eaLnBrk="1" fontAlgn="base" latinLnBrk="1" hangingPunct="1">
+                <a:lnSpc>
+                  <a:spcPct val="100000"/>
+                </a:lnSpc>
+                <a:spcBef>
+                  <a:spcPct val="0"/>
+                </a:spcBef>
+                <a:spcAft>
+                  <a:spcPct val="0"/>
+                </a:spcAft>
+                <a:buClrTx/>
+                <a:buSzTx/>
+                <a:buFontTx/>
+                <a:buNone/>
+                <a:tabLst/>
+              </a:pPr>
+              <a:endParaRPr kumimoji="1" lang="ko-KR" altLang="en-US" sz="1400" b="0" i="0" u="none" strike="noStrike" cap="none" normalizeH="0" baseline="0" dirty="0" err="1">
+                <a:ln>
+                  <a:noFill/>
+                </a:ln>
+                <a:solidFill>
+                  <a:srgbClr val="FF0000"/>
+                </a:solidFill>
+                <a:effectLst/>
+                <a:latin typeface="맑은 고딕" panose="020B0503020000020004" pitchFamily="50" charset="-127"/>
+                <a:ea typeface="맑은 고딕" panose="020B0503020000020004" pitchFamily="50" charset="-127"/>
+              </a:endParaRPr>
+            </a:p>
+          </p:txBody>
+        </p:sp>
+        <p:sp>
+          <p:nvSpPr>
+            <p:cNvPr id="20" name="TextBox 19">
+              <a:extLst>
+                <a:ext uri="{FF2B5EF4-FFF2-40B4-BE49-F238E27FC236}">
+                  <a16:creationId xmlns:a16="http://schemas.microsoft.com/office/drawing/2014/main" id="{35AFA624-A904-4BC1-BBF7-356BF5534113}"/>
+                </a:ext>
+              </a:extLst>
+            </p:cNvPr>
+            <p:cNvSpPr txBox="1"/>
+            <p:nvPr/>
+          </p:nvSpPr>
+          <p:spPr>
+            <a:xfrm>
+              <a:off x="3663134" y="2802118"/>
+              <a:ext cx="120226" cy="246221"/>
+            </a:xfrm>
+            <a:prstGeom prst="rect">
+              <a:avLst/>
+            </a:prstGeom>
+            <a:solidFill>
+              <a:schemeClr val="bg1"/>
+            </a:solidFill>
+          </p:spPr>
+          <p:txBody>
+            <a:bodyPr wrap="none" lIns="0" tIns="0" rIns="0" bIns="0" rtlCol="0">
+              <a:spAutoFit/>
+            </a:bodyPr>
+            <a:lstStyle/>
+            <a:p>
+              <a:r>
+                <a:rPr lang="en-US" altLang="ko-KR" sz="1600" dirty="0">
+                  <a:solidFill>
+                    <a:srgbClr val="FF0000"/>
+                  </a:solidFill>
+                  <a:latin typeface="맑은 고딕" panose="020B0503020000020004" pitchFamily="50" charset="-127"/>
+                  <a:ea typeface="맑은 고딕" panose="020B0503020000020004" pitchFamily="50" charset="-127"/>
+                </a:rPr>
+                <a:t>B</a:t>
+              </a:r>
+              <a:endParaRPr lang="ko-KR" altLang="en-US" sz="1600" dirty="0">
+                <a:solidFill>
+                  <a:srgbClr val="FF0000"/>
+                </a:solidFill>
+                <a:latin typeface="맑은 고딕" panose="020B0503020000020004" pitchFamily="50" charset="-127"/>
+                <a:ea typeface="맑은 고딕" panose="020B0503020000020004" pitchFamily="50" charset="-127"/>
+              </a:endParaRPr>
+            </a:p>
+          </p:txBody>
+        </p:sp>
+        <p:sp>
+          <p:nvSpPr>
+            <p:cNvPr id="21" name="직사각형 20">
+              <a:extLst>
+                <a:ext uri="{FF2B5EF4-FFF2-40B4-BE49-F238E27FC236}">
+                  <a16:creationId xmlns:a16="http://schemas.microsoft.com/office/drawing/2014/main" id="{E23BB029-B9CB-41AA-A545-6E17F2334B6A}"/>
+                </a:ext>
+              </a:extLst>
+            </p:cNvPr>
+            <p:cNvSpPr/>
+            <p:nvPr/>
+          </p:nvSpPr>
+          <p:spPr bwMode="auto">
+            <a:xfrm>
+              <a:off x="2267744" y="2759887"/>
+              <a:ext cx="2866406" cy="320129"/>
+            </a:xfrm>
+            <a:prstGeom prst="rect">
+              <a:avLst/>
+            </a:prstGeom>
+            <a:noFill/>
+            <a:ln w="25400" cap="flat" cmpd="sng" algn="ctr">
+              <a:solidFill>
+                <a:srgbClr val="FF0000"/>
+              </a:solidFill>
+              <a:prstDash val="solid"/>
+              <a:round/>
+              <a:headEnd type="none" w="med" len="med"/>
+              <a:tailEnd type="none" w="med" len="med"/>
+            </a:ln>
+            <a:effectLst/>
+          </p:spPr>
+          <p:txBody>
+            <a:bodyPr vert="horz" wrap="none" lIns="0" tIns="0" rIns="0" bIns="0" numCol="1" rtlCol="0" anchor="ctr" anchorCtr="1" compatLnSpc="1">
+              <a:prstTxWarp prst="textNoShape">
+                <a:avLst/>
+              </a:prstTxWarp>
+            </a:bodyPr>
+            <a:lstStyle/>
+            <a:p>
+              <a:pPr marL="0" marR="0" indent="0" algn="l" defTabSz="914400" rtl="0" eaLnBrk="1" fontAlgn="base" latinLnBrk="1" hangingPunct="1">
+                <a:lnSpc>
+                  <a:spcPct val="100000"/>
+                </a:lnSpc>
+                <a:spcBef>
+                  <a:spcPct val="0"/>
+                </a:spcBef>
+                <a:spcAft>
+                  <a:spcPct val="0"/>
+                </a:spcAft>
+                <a:buClrTx/>
+                <a:buSzTx/>
+                <a:buFontTx/>
+                <a:buNone/>
+                <a:tabLst/>
+              </a:pPr>
+              <a:endParaRPr kumimoji="1" lang="ko-KR" altLang="en-US" sz="1400" b="0" i="0" u="none" strike="noStrike" cap="none" normalizeH="0" baseline="0" dirty="0" err="1">
+                <a:ln>
+                  <a:noFill/>
+                </a:ln>
+                <a:solidFill>
+                  <a:schemeClr val="tx1"/>
+                </a:solidFill>
+                <a:effectLst/>
+                <a:latin typeface="맑은 고딕" panose="020B0503020000020004" pitchFamily="50" charset="-127"/>
+                <a:ea typeface="맑은 고딕" panose="020B0503020000020004" pitchFamily="50" charset="-127"/>
+              </a:endParaRPr>
+            </a:p>
+          </p:txBody>
+        </p:sp>
+        <p:sp>
+          <p:nvSpPr>
+            <p:cNvPr id="22" name="직사각형 21">
+              <a:extLst>
+                <a:ext uri="{FF2B5EF4-FFF2-40B4-BE49-F238E27FC236}">
+                  <a16:creationId xmlns:a16="http://schemas.microsoft.com/office/drawing/2014/main" id="{D6E5FE28-817C-4AE9-AC22-F62F42422BC1}"/>
+                </a:ext>
+              </a:extLst>
+            </p:cNvPr>
+            <p:cNvSpPr/>
+            <p:nvPr/>
+          </p:nvSpPr>
+          <p:spPr bwMode="auto">
+            <a:xfrm>
+              <a:off x="1849610" y="5629151"/>
+              <a:ext cx="2218334" cy="320129"/>
+            </a:xfrm>
+            <a:prstGeom prst="rect">
+              <a:avLst/>
+            </a:prstGeom>
+            <a:noFill/>
+            <a:ln w="25400" cap="flat" cmpd="sng" algn="ctr">
+              <a:solidFill>
+                <a:srgbClr val="FF0000"/>
+              </a:solidFill>
+              <a:prstDash val="solid"/>
+              <a:round/>
+              <a:headEnd type="none" w="med" len="med"/>
+              <a:tailEnd type="none" w="med" len="med"/>
+            </a:ln>
+            <a:effectLst/>
+          </p:spPr>
+          <p:txBody>
+            <a:bodyPr vert="horz" wrap="none" lIns="0" tIns="0" rIns="0" bIns="0" numCol="1" rtlCol="0" anchor="ctr" anchorCtr="1" compatLnSpc="1">
+              <a:prstTxWarp prst="textNoShape">
+                <a:avLst/>
+              </a:prstTxWarp>
+            </a:bodyPr>
+            <a:lstStyle/>
+            <a:p>
+              <a:pPr marL="0" marR="0" indent="0" algn="l" defTabSz="914400" rtl="0" eaLnBrk="1" fontAlgn="base" latinLnBrk="1" hangingPunct="1">
+                <a:lnSpc>
+                  <a:spcPct val="100000"/>
+                </a:lnSpc>
+                <a:spcBef>
+                  <a:spcPct val="0"/>
+                </a:spcBef>
+                <a:spcAft>
+                  <a:spcPct val="0"/>
+                </a:spcAft>
+                <a:buClrTx/>
+                <a:buSzTx/>
+                <a:buFontTx/>
+                <a:buNone/>
+                <a:tabLst/>
+              </a:pPr>
+              <a:endParaRPr kumimoji="1" lang="ko-KR" altLang="en-US" sz="1400" b="0" i="0" u="none" strike="noStrike" cap="none" normalizeH="0" baseline="0" dirty="0" err="1">
+                <a:ln>
+                  <a:noFill/>
+                </a:ln>
+                <a:solidFill>
+                  <a:schemeClr val="tx1"/>
+                </a:solidFill>
+                <a:effectLst/>
+                <a:latin typeface="맑은 고딕" panose="020B0503020000020004" pitchFamily="50" charset="-127"/>
+                <a:ea typeface="맑은 고딕" panose="020B0503020000020004" pitchFamily="50" charset="-127"/>
+              </a:endParaRPr>
+            </a:p>
+          </p:txBody>
+        </p:sp>
+        <p:sp>
+          <p:nvSpPr>
+            <p:cNvPr id="24" name="직사각형 23">
+              <a:extLst>
+                <a:ext uri="{FF2B5EF4-FFF2-40B4-BE49-F238E27FC236}">
+                  <a16:creationId xmlns:a16="http://schemas.microsoft.com/office/drawing/2014/main" id="{241B015C-C953-4869-8C00-74D86DF75DB2}"/>
+                </a:ext>
+              </a:extLst>
+            </p:cNvPr>
+            <p:cNvSpPr/>
+            <p:nvPr/>
+          </p:nvSpPr>
+          <p:spPr bwMode="auto">
+            <a:xfrm>
+              <a:off x="1844919" y="5957645"/>
+              <a:ext cx="2218334" cy="320129"/>
+            </a:xfrm>
+            <a:prstGeom prst="rect">
+              <a:avLst/>
+            </a:prstGeom>
+            <a:noFill/>
+            <a:ln w="25400" cap="flat" cmpd="sng" algn="ctr">
+              <a:solidFill>
+                <a:srgbClr val="FF0000"/>
+              </a:solidFill>
+              <a:prstDash val="solid"/>
+              <a:round/>
+              <a:headEnd type="none" w="med" len="med"/>
+              <a:tailEnd type="none" w="med" len="med"/>
+            </a:ln>
+            <a:effectLst/>
+          </p:spPr>
+          <p:txBody>
+            <a:bodyPr vert="horz" wrap="none" lIns="0" tIns="0" rIns="0" bIns="0" numCol="1" rtlCol="0" anchor="ctr" anchorCtr="1" compatLnSpc="1">
+              <a:prstTxWarp prst="textNoShape">
+                <a:avLst/>
+              </a:prstTxWarp>
+            </a:bodyPr>
+            <a:lstStyle/>
+            <a:p>
+              <a:pPr marL="0" marR="0" indent="0" algn="l" defTabSz="914400" rtl="0" eaLnBrk="1" fontAlgn="base" latinLnBrk="1" hangingPunct="1">
+                <a:lnSpc>
+                  <a:spcPct val="100000"/>
+                </a:lnSpc>
+                <a:spcBef>
+                  <a:spcPct val="0"/>
+                </a:spcBef>
+                <a:spcAft>
+                  <a:spcPct val="0"/>
+                </a:spcAft>
+                <a:buClrTx/>
+                <a:buSzTx/>
+                <a:buFontTx/>
+                <a:buNone/>
+                <a:tabLst/>
+              </a:pPr>
+              <a:endParaRPr kumimoji="1" lang="ko-KR" altLang="en-US" sz="1400" b="0" i="0" u="none" strike="noStrike" cap="none" normalizeH="0" baseline="0" dirty="0" err="1">
+                <a:ln>
+                  <a:noFill/>
+                </a:ln>
+                <a:solidFill>
+                  <a:schemeClr val="tx1"/>
+                </a:solidFill>
+                <a:effectLst/>
+                <a:latin typeface="맑은 고딕" panose="020B0503020000020004" pitchFamily="50" charset="-127"/>
+                <a:ea typeface="맑은 고딕" panose="020B0503020000020004" pitchFamily="50" charset="-127"/>
+              </a:endParaRPr>
+            </a:p>
+          </p:txBody>
+        </p:sp>
+        <p:sp>
+          <p:nvSpPr>
+            <p:cNvPr id="25" name="직사각형 24">
+              <a:extLst>
+                <a:ext uri="{FF2B5EF4-FFF2-40B4-BE49-F238E27FC236}">
+                  <a16:creationId xmlns:a16="http://schemas.microsoft.com/office/drawing/2014/main" id="{7A419BCD-EC95-491A-B4A9-2A15D3BA822A}"/>
+                </a:ext>
+              </a:extLst>
+            </p:cNvPr>
+            <p:cNvSpPr/>
+            <p:nvPr/>
+          </p:nvSpPr>
+          <p:spPr bwMode="auto">
+            <a:xfrm rot="16200000">
+              <a:off x="170881" y="4243946"/>
+              <a:ext cx="2144947" cy="320129"/>
+            </a:xfrm>
+            <a:prstGeom prst="rect">
+              <a:avLst/>
+            </a:prstGeom>
+            <a:noFill/>
+            <a:ln w="25400" cap="flat" cmpd="sng" algn="ctr">
+              <a:solidFill>
+                <a:srgbClr val="FF0000"/>
+              </a:solidFill>
+              <a:prstDash val="solid"/>
+              <a:round/>
+              <a:headEnd type="none" w="med" len="med"/>
+              <a:tailEnd type="none" w="med" len="med"/>
+            </a:ln>
+            <a:effectLst/>
+          </p:spPr>
+          <p:txBody>
+            <a:bodyPr vert="horz" wrap="none" lIns="0" tIns="0" rIns="0" bIns="0" numCol="1" rtlCol="0" anchor="ctr" anchorCtr="1" compatLnSpc="1">
+              <a:prstTxWarp prst="textNoShape">
+                <a:avLst/>
+              </a:prstTxWarp>
+            </a:bodyPr>
+            <a:lstStyle/>
+            <a:p>
+              <a:pPr marL="0" marR="0" indent="0" algn="l" defTabSz="914400" rtl="0" eaLnBrk="1" fontAlgn="base" latinLnBrk="1" hangingPunct="1">
+                <a:lnSpc>
+                  <a:spcPct val="100000"/>
+                </a:lnSpc>
+                <a:spcBef>
+                  <a:spcPct val="0"/>
+                </a:spcBef>
+                <a:spcAft>
+                  <a:spcPct val="0"/>
+                </a:spcAft>
+                <a:buClrTx/>
+                <a:buSzTx/>
+                <a:buFontTx/>
+                <a:buNone/>
+                <a:tabLst/>
+              </a:pPr>
+              <a:endParaRPr kumimoji="1" lang="ko-KR" altLang="en-US" sz="1400" b="0" i="0" u="none" strike="noStrike" cap="none" normalizeH="0" baseline="0" dirty="0" err="1">
+                <a:ln>
+                  <a:noFill/>
+                </a:ln>
+                <a:solidFill>
+                  <a:srgbClr val="FF0000"/>
+                </a:solidFill>
+                <a:effectLst/>
+                <a:latin typeface="맑은 고딕" panose="020B0503020000020004" pitchFamily="50" charset="-127"/>
+                <a:ea typeface="맑은 고딕" panose="020B0503020000020004" pitchFamily="50" charset="-127"/>
+              </a:endParaRPr>
+            </a:p>
+          </p:txBody>
+        </p:sp>
+        <p:sp>
+          <p:nvSpPr>
+            <p:cNvPr id="27" name="직사각형 26">
+              <a:extLst>
+                <a:ext uri="{FF2B5EF4-FFF2-40B4-BE49-F238E27FC236}">
+                  <a16:creationId xmlns:a16="http://schemas.microsoft.com/office/drawing/2014/main" id="{8994C276-57D6-40A6-BED9-DADF1AA32744}"/>
+                </a:ext>
+              </a:extLst>
+            </p:cNvPr>
+            <p:cNvSpPr/>
+            <p:nvPr/>
+          </p:nvSpPr>
+          <p:spPr bwMode="auto">
+            <a:xfrm rot="16200000">
+              <a:off x="526868" y="4243945"/>
+              <a:ext cx="2144947" cy="320129"/>
+            </a:xfrm>
+            <a:prstGeom prst="rect">
+              <a:avLst/>
+            </a:prstGeom>
+            <a:noFill/>
+            <a:ln w="25400" cap="flat" cmpd="sng" algn="ctr">
+              <a:solidFill>
+                <a:srgbClr val="FF0000"/>
+              </a:solidFill>
+              <a:prstDash val="solid"/>
+              <a:round/>
+              <a:headEnd type="none" w="med" len="med"/>
+              <a:tailEnd type="none" w="med" len="med"/>
+            </a:ln>
+            <a:effectLst/>
+          </p:spPr>
+          <p:txBody>
+            <a:bodyPr vert="horz" wrap="none" lIns="0" tIns="0" rIns="0" bIns="0" numCol="1" rtlCol="0" anchor="ctr" anchorCtr="1" compatLnSpc="1">
+              <a:prstTxWarp prst="textNoShape">
+                <a:avLst/>
+              </a:prstTxWarp>
+            </a:bodyPr>
+            <a:lstStyle/>
+            <a:p>
+              <a:pPr marL="0" marR="0" indent="0" algn="l" defTabSz="914400" rtl="0" eaLnBrk="1" fontAlgn="base" latinLnBrk="1" hangingPunct="1">
+                <a:lnSpc>
+                  <a:spcPct val="100000"/>
+                </a:lnSpc>
+                <a:spcBef>
+                  <a:spcPct val="0"/>
+                </a:spcBef>
+                <a:spcAft>
+                  <a:spcPct val="0"/>
+                </a:spcAft>
+                <a:buClrTx/>
+                <a:buSzTx/>
+                <a:buFontTx/>
+                <a:buNone/>
+                <a:tabLst/>
+              </a:pPr>
+              <a:endParaRPr kumimoji="1" lang="ko-KR" altLang="en-US" sz="1400" b="0" i="0" u="none" strike="noStrike" cap="none" normalizeH="0" baseline="0" dirty="0" err="1">
+                <a:ln>
+                  <a:noFill/>
+                </a:ln>
+                <a:solidFill>
+                  <a:srgbClr val="FF0000"/>
+                </a:solidFill>
+                <a:effectLst/>
+                <a:latin typeface="맑은 고딕" panose="020B0503020000020004" pitchFamily="50" charset="-127"/>
+                <a:ea typeface="맑은 고딕" panose="020B0503020000020004" pitchFamily="50" charset="-127"/>
+              </a:endParaRPr>
+            </a:p>
+          </p:txBody>
+        </p:sp>
+        <p:sp>
+          <p:nvSpPr>
+            <p:cNvPr id="28" name="직사각형 27">
+              <a:extLst>
+                <a:ext uri="{FF2B5EF4-FFF2-40B4-BE49-F238E27FC236}">
+                  <a16:creationId xmlns:a16="http://schemas.microsoft.com/office/drawing/2014/main" id="{EC1C58D4-FA70-44C8-8F1C-E833688429B8}"/>
+                </a:ext>
+              </a:extLst>
+            </p:cNvPr>
+            <p:cNvSpPr/>
+            <p:nvPr/>
+          </p:nvSpPr>
+          <p:spPr bwMode="auto">
+            <a:xfrm rot="16200000">
+              <a:off x="591871" y="2276298"/>
+              <a:ext cx="1287305" cy="320129"/>
+            </a:xfrm>
+            <a:prstGeom prst="rect">
+              <a:avLst/>
+            </a:prstGeom>
+            <a:noFill/>
+            <a:ln w="25400" cap="flat" cmpd="sng" algn="ctr">
+              <a:solidFill>
+                <a:srgbClr val="FF0000"/>
+              </a:solidFill>
+              <a:prstDash val="solid"/>
+              <a:round/>
+              <a:headEnd type="none" w="med" len="med"/>
+              <a:tailEnd type="none" w="med" len="med"/>
+            </a:ln>
+            <a:effectLst/>
+          </p:spPr>
+          <p:txBody>
+            <a:bodyPr vert="horz" wrap="none" lIns="0" tIns="0" rIns="0" bIns="0" numCol="1" rtlCol="0" anchor="ctr" anchorCtr="1" compatLnSpc="1">
+              <a:prstTxWarp prst="textNoShape">
+                <a:avLst/>
+              </a:prstTxWarp>
+            </a:bodyPr>
+            <a:lstStyle/>
+            <a:p>
+              <a:pPr marL="0" marR="0" indent="0" algn="l" defTabSz="914400" rtl="0" eaLnBrk="1" fontAlgn="base" latinLnBrk="1" hangingPunct="1">
+                <a:lnSpc>
+                  <a:spcPct val="100000"/>
+                </a:lnSpc>
+                <a:spcBef>
+                  <a:spcPct val="0"/>
+                </a:spcBef>
+                <a:spcAft>
+                  <a:spcPct val="0"/>
+                </a:spcAft>
+                <a:buClrTx/>
+                <a:buSzTx/>
+                <a:buFontTx/>
+                <a:buNone/>
+                <a:tabLst/>
+              </a:pPr>
+              <a:endParaRPr kumimoji="1" lang="ko-KR" altLang="en-US" sz="1400" b="0" i="0" u="none" strike="noStrike" cap="none" normalizeH="0" baseline="0" dirty="0" err="1">
+                <a:ln>
+                  <a:noFill/>
+                </a:ln>
+                <a:solidFill>
+                  <a:srgbClr val="FF0000"/>
+                </a:solidFill>
+                <a:effectLst/>
+                <a:latin typeface="맑은 고딕" panose="020B0503020000020004" pitchFamily="50" charset="-127"/>
+                <a:ea typeface="맑은 고딕" panose="020B0503020000020004" pitchFamily="50" charset="-127"/>
+              </a:endParaRPr>
+            </a:p>
+          </p:txBody>
+        </p:sp>
+        <p:sp>
+          <p:nvSpPr>
+            <p:cNvPr id="29" name="직사각형 28">
+              <a:extLst>
+                <a:ext uri="{FF2B5EF4-FFF2-40B4-BE49-F238E27FC236}">
+                  <a16:creationId xmlns:a16="http://schemas.microsoft.com/office/drawing/2014/main" id="{D5C2B9BA-0DDB-436E-8CAA-C6E2D3D14B44}"/>
+                </a:ext>
+              </a:extLst>
+            </p:cNvPr>
+            <p:cNvSpPr/>
+            <p:nvPr/>
+          </p:nvSpPr>
+          <p:spPr bwMode="auto">
+            <a:xfrm rot="16200000">
+              <a:off x="969833" y="2276601"/>
+              <a:ext cx="1287305" cy="320129"/>
+            </a:xfrm>
+            <a:prstGeom prst="rect">
+              <a:avLst/>
+            </a:prstGeom>
+            <a:noFill/>
+            <a:ln w="25400" cap="flat" cmpd="sng" algn="ctr">
+              <a:solidFill>
+                <a:srgbClr val="FF0000"/>
+              </a:solidFill>
+              <a:prstDash val="solid"/>
+              <a:round/>
+              <a:headEnd type="none" w="med" len="med"/>
+              <a:tailEnd type="none" w="med" len="med"/>
+            </a:ln>
+            <a:effectLst/>
+          </p:spPr>
+          <p:txBody>
+            <a:bodyPr vert="horz" wrap="none" lIns="0" tIns="0" rIns="0" bIns="0" numCol="1" rtlCol="0" anchor="ctr" anchorCtr="1" compatLnSpc="1">
+              <a:prstTxWarp prst="textNoShape">
+                <a:avLst/>
+              </a:prstTxWarp>
+            </a:bodyPr>
+            <a:lstStyle/>
+            <a:p>
+              <a:pPr marL="0" marR="0" indent="0" algn="l" defTabSz="914400" rtl="0" eaLnBrk="1" fontAlgn="base" latinLnBrk="1" hangingPunct="1">
+                <a:lnSpc>
+                  <a:spcPct val="100000"/>
+                </a:lnSpc>
+                <a:spcBef>
+                  <a:spcPct val="0"/>
+                </a:spcBef>
+                <a:spcAft>
+                  <a:spcPct val="0"/>
+                </a:spcAft>
+                <a:buClrTx/>
+                <a:buSzTx/>
+                <a:buFontTx/>
+                <a:buNone/>
+                <a:tabLst/>
+              </a:pPr>
+              <a:endParaRPr kumimoji="1" lang="ko-KR" altLang="en-US" sz="1400" b="0" i="0" u="none" strike="noStrike" cap="none" normalizeH="0" baseline="0" dirty="0" err="1">
+                <a:ln>
+                  <a:noFill/>
+                </a:ln>
+                <a:solidFill>
+                  <a:srgbClr val="FF0000"/>
+                </a:solidFill>
+                <a:effectLst/>
+                <a:latin typeface="맑은 고딕" panose="020B0503020000020004" pitchFamily="50" charset="-127"/>
+                <a:ea typeface="맑은 고딕" panose="020B0503020000020004" pitchFamily="50" charset="-127"/>
+              </a:endParaRPr>
+            </a:p>
+          </p:txBody>
+        </p:sp>
+        <p:sp>
+          <p:nvSpPr>
+            <p:cNvPr id="30" name="TextBox 29">
+              <a:extLst>
+                <a:ext uri="{FF2B5EF4-FFF2-40B4-BE49-F238E27FC236}">
+                  <a16:creationId xmlns:a16="http://schemas.microsoft.com/office/drawing/2014/main" id="{7411225B-2A40-4EF9-A38F-F41DA057715D}"/>
+                </a:ext>
+              </a:extLst>
+            </p:cNvPr>
+            <p:cNvSpPr txBox="1"/>
+            <p:nvPr/>
+          </p:nvSpPr>
+          <p:spPr>
+            <a:xfrm>
+              <a:off x="2859112" y="5658266"/>
+              <a:ext cx="147476" cy="246221"/>
+            </a:xfrm>
+            <a:prstGeom prst="rect">
+              <a:avLst/>
+            </a:prstGeom>
+            <a:solidFill>
+              <a:schemeClr val="bg1"/>
+            </a:solidFill>
+          </p:spPr>
+          <p:txBody>
+            <a:bodyPr wrap="square" lIns="0" tIns="0" rIns="0" bIns="0" rtlCol="0">
+              <a:spAutoFit/>
+            </a:bodyPr>
+            <a:lstStyle/>
+            <a:p>
+              <a:r>
+                <a:rPr lang="en-US" altLang="ko-KR" sz="1600" dirty="0">
+                  <a:solidFill>
+                    <a:srgbClr val="FF0000"/>
+                  </a:solidFill>
+                  <a:latin typeface="맑은 고딕" panose="020B0503020000020004" pitchFamily="50" charset="-127"/>
+                  <a:ea typeface="맑은 고딕" panose="020B0503020000020004" pitchFamily="50" charset="-127"/>
+                </a:rPr>
+                <a:t>E</a:t>
+              </a:r>
+              <a:endParaRPr lang="ko-KR" altLang="en-US" sz="1600" dirty="0">
+                <a:solidFill>
+                  <a:srgbClr val="FF0000"/>
+                </a:solidFill>
+                <a:latin typeface="맑은 고딕" panose="020B0503020000020004" pitchFamily="50" charset="-127"/>
+                <a:ea typeface="맑은 고딕" panose="020B0503020000020004" pitchFamily="50" charset="-127"/>
+              </a:endParaRPr>
+            </a:p>
+          </p:txBody>
+        </p:sp>
+        <p:sp>
+          <p:nvSpPr>
+            <p:cNvPr id="31" name="TextBox 30">
+              <a:extLst>
+                <a:ext uri="{FF2B5EF4-FFF2-40B4-BE49-F238E27FC236}">
+                  <a16:creationId xmlns:a16="http://schemas.microsoft.com/office/drawing/2014/main" id="{B0411E2F-866A-4CA7-8737-6F7C5076B9D7}"/>
+                </a:ext>
+              </a:extLst>
+            </p:cNvPr>
+            <p:cNvSpPr txBox="1"/>
+            <p:nvPr/>
+          </p:nvSpPr>
+          <p:spPr>
+            <a:xfrm>
+              <a:off x="2859112" y="5978395"/>
+              <a:ext cx="147476" cy="246221"/>
+            </a:xfrm>
+            <a:prstGeom prst="rect">
+              <a:avLst/>
+            </a:prstGeom>
+            <a:solidFill>
+              <a:schemeClr val="bg1"/>
+            </a:solidFill>
+          </p:spPr>
+          <p:txBody>
+            <a:bodyPr wrap="square" lIns="0" tIns="0" rIns="0" bIns="0" rtlCol="0">
+              <a:spAutoFit/>
+            </a:bodyPr>
+            <a:lstStyle/>
+            <a:p>
+              <a:r>
+                <a:rPr lang="en-US" altLang="ko-KR" sz="1600" dirty="0">
+                  <a:solidFill>
+                    <a:srgbClr val="FF0000"/>
+                  </a:solidFill>
+                  <a:latin typeface="맑은 고딕" panose="020B0503020000020004" pitchFamily="50" charset="-127"/>
+                  <a:ea typeface="맑은 고딕" panose="020B0503020000020004" pitchFamily="50" charset="-127"/>
+                </a:rPr>
+                <a:t>F</a:t>
+              </a:r>
+              <a:endParaRPr lang="ko-KR" altLang="en-US" sz="1600" dirty="0">
+                <a:solidFill>
+                  <a:srgbClr val="FF0000"/>
+                </a:solidFill>
+                <a:latin typeface="맑은 고딕" panose="020B0503020000020004" pitchFamily="50" charset="-127"/>
+                <a:ea typeface="맑은 고딕" panose="020B0503020000020004" pitchFamily="50" charset="-127"/>
+              </a:endParaRPr>
+            </a:p>
+          </p:txBody>
+        </p:sp>
+        <p:sp>
+          <p:nvSpPr>
+            <p:cNvPr id="13" name="화살표: 아래쪽 12">
+              <a:extLst>
+                <a:ext uri="{FF2B5EF4-FFF2-40B4-BE49-F238E27FC236}">
+                  <a16:creationId xmlns:a16="http://schemas.microsoft.com/office/drawing/2014/main" id="{43585F23-7BA5-419A-8862-AD583451AD8B}"/>
+                </a:ext>
+              </a:extLst>
+            </p:cNvPr>
+            <p:cNvSpPr/>
+            <p:nvPr/>
+          </p:nvSpPr>
+          <p:spPr bwMode="auto">
+            <a:xfrm rot="16200000">
+              <a:off x="952801" y="2480719"/>
+              <a:ext cx="273860" cy="540000"/>
+            </a:xfrm>
+            <a:prstGeom prst="downArrow">
+              <a:avLst/>
+            </a:prstGeom>
+            <a:solidFill>
+              <a:schemeClr val="bg1"/>
+            </a:solidFill>
+            <a:ln w="15875" cap="flat" cmpd="sng" algn="ctr">
+              <a:solidFill>
+                <a:schemeClr val="tx1"/>
+              </a:solidFill>
+              <a:prstDash val="solid"/>
+              <a:round/>
+              <a:headEnd type="none" w="med" len="med"/>
+              <a:tailEnd type="none" w="med" len="med"/>
+            </a:ln>
+            <a:effectLst/>
+          </p:spPr>
+          <p:txBody>
+            <a:bodyPr vert="horz" wrap="none" lIns="0" tIns="0" rIns="0" bIns="0" numCol="1" rtlCol="0" anchor="ctr" anchorCtr="1" compatLnSpc="1">
+              <a:prstTxWarp prst="textNoShape">
+                <a:avLst/>
+              </a:prstTxWarp>
+            </a:bodyPr>
+            <a:lstStyle/>
+            <a:p>
+              <a:pPr marL="0" marR="0" indent="0" algn="l" defTabSz="914400" rtl="0" eaLnBrk="1" fontAlgn="base" latinLnBrk="1" hangingPunct="1">
+                <a:lnSpc>
+                  <a:spcPct val="100000"/>
+                </a:lnSpc>
+                <a:spcBef>
+                  <a:spcPct val="0"/>
+                </a:spcBef>
+                <a:spcAft>
+                  <a:spcPct val="0"/>
+                </a:spcAft>
+                <a:buClrTx/>
+                <a:buSzTx/>
+                <a:buFontTx/>
+                <a:buNone/>
+                <a:tabLst/>
+              </a:pPr>
+              <a:endParaRPr kumimoji="1" lang="ko-KR" altLang="en-US" sz="1400" b="0" i="0" u="none" strike="noStrike" cap="none" normalizeH="0" baseline="0" dirty="0" err="1">
+                <a:ln>
+                  <a:noFill/>
+                </a:ln>
+                <a:solidFill>
+                  <a:schemeClr val="tx1"/>
+                </a:solidFill>
+                <a:effectLst/>
+                <a:latin typeface="맑은 고딕" panose="020B0503020000020004" pitchFamily="50" charset="-127"/>
+                <a:ea typeface="맑은 고딕" panose="020B0503020000020004" pitchFamily="50" charset="-127"/>
+              </a:endParaRPr>
+            </a:p>
+          </p:txBody>
+        </p:sp>
+        <p:sp>
+          <p:nvSpPr>
+            <p:cNvPr id="32" name="TextBox 31">
+              <a:extLst>
+                <a:ext uri="{FF2B5EF4-FFF2-40B4-BE49-F238E27FC236}">
+                  <a16:creationId xmlns:a16="http://schemas.microsoft.com/office/drawing/2014/main" id="{06F7A51E-A226-41DB-AE3D-E66F3D73B4A7}"/>
+                </a:ext>
+              </a:extLst>
+            </p:cNvPr>
+            <p:cNvSpPr txBox="1"/>
+            <p:nvPr/>
+          </p:nvSpPr>
+          <p:spPr>
+            <a:xfrm>
+              <a:off x="1519749" y="2309140"/>
+              <a:ext cx="149080" cy="246221"/>
+            </a:xfrm>
+            <a:prstGeom prst="rect">
+              <a:avLst/>
+            </a:prstGeom>
+            <a:solidFill>
+              <a:schemeClr val="bg1"/>
+            </a:solidFill>
+          </p:spPr>
+          <p:txBody>
+            <a:bodyPr wrap="none" lIns="0" tIns="0" rIns="0" bIns="0" rtlCol="0">
+              <a:spAutoFit/>
+            </a:bodyPr>
+            <a:lstStyle/>
+            <a:p>
+              <a:r>
+                <a:rPr lang="en-US" altLang="ko-KR" sz="1600" dirty="0">
+                  <a:solidFill>
+                    <a:srgbClr val="FF0000"/>
+                  </a:solidFill>
+                  <a:latin typeface="맑은 고딕" panose="020B0503020000020004" pitchFamily="50" charset="-127"/>
+                  <a:ea typeface="맑은 고딕" panose="020B0503020000020004" pitchFamily="50" charset="-127"/>
+                </a:rPr>
+                <a:t>H</a:t>
+              </a:r>
+              <a:endParaRPr lang="ko-KR" altLang="en-US" sz="1600" dirty="0">
+                <a:solidFill>
+                  <a:srgbClr val="FF0000"/>
+                </a:solidFill>
+                <a:latin typeface="맑은 고딕" panose="020B0503020000020004" pitchFamily="50" charset="-127"/>
+                <a:ea typeface="맑은 고딕" panose="020B0503020000020004" pitchFamily="50" charset="-127"/>
+              </a:endParaRPr>
+            </a:p>
+          </p:txBody>
+        </p:sp>
+        <p:sp>
+          <p:nvSpPr>
+            <p:cNvPr id="11" name="화살표: 아래쪽 10">
+              <a:extLst>
+                <a:ext uri="{FF2B5EF4-FFF2-40B4-BE49-F238E27FC236}">
+                  <a16:creationId xmlns:a16="http://schemas.microsoft.com/office/drawing/2014/main" id="{A00A0FBB-D71B-46DD-B29D-93F78CFDEF4C}"/>
+                </a:ext>
+              </a:extLst>
+            </p:cNvPr>
+            <p:cNvSpPr/>
+            <p:nvPr/>
+          </p:nvSpPr>
+          <p:spPr bwMode="auto">
+            <a:xfrm rot="3790658">
+              <a:off x="5091161" y="2078370"/>
+              <a:ext cx="273860" cy="540000"/>
+            </a:xfrm>
+            <a:prstGeom prst="downArrow">
+              <a:avLst/>
+            </a:prstGeom>
+            <a:solidFill>
+              <a:schemeClr val="bg1"/>
+            </a:solidFill>
+            <a:ln w="15875" cap="flat" cmpd="sng" algn="ctr">
+              <a:solidFill>
+                <a:schemeClr val="tx1"/>
+              </a:solidFill>
+              <a:prstDash val="solid"/>
+              <a:round/>
+              <a:headEnd type="none" w="med" len="med"/>
+              <a:tailEnd type="none" w="med" len="med"/>
+            </a:ln>
+            <a:effectLst/>
+          </p:spPr>
+          <p:txBody>
+            <a:bodyPr vert="horz" wrap="none" lIns="0" tIns="0" rIns="0" bIns="0" numCol="1" rtlCol="0" anchor="ctr" anchorCtr="1" compatLnSpc="1">
+              <a:prstTxWarp prst="textNoShape">
+                <a:avLst/>
+              </a:prstTxWarp>
+            </a:bodyPr>
+            <a:lstStyle/>
+            <a:p>
+              <a:pPr marL="0" marR="0" indent="0" algn="l" defTabSz="914400" rtl="0" eaLnBrk="1" fontAlgn="base" latinLnBrk="1" hangingPunct="1">
+                <a:lnSpc>
+                  <a:spcPct val="100000"/>
+                </a:lnSpc>
+                <a:spcBef>
+                  <a:spcPct val="0"/>
+                </a:spcBef>
+                <a:spcAft>
+                  <a:spcPct val="0"/>
+                </a:spcAft>
+                <a:buClrTx/>
+                <a:buSzTx/>
+                <a:buFontTx/>
+                <a:buNone/>
+                <a:tabLst/>
+              </a:pPr>
+              <a:endParaRPr kumimoji="1" lang="ko-KR" altLang="en-US" sz="1400" b="0" i="0" u="none" strike="noStrike" cap="none" normalizeH="0" baseline="0" dirty="0" err="1">
+                <a:ln>
+                  <a:noFill/>
+                </a:ln>
+                <a:solidFill>
+                  <a:schemeClr val="tx1"/>
+                </a:solidFill>
+                <a:effectLst/>
+                <a:latin typeface="맑은 고딕" panose="020B0503020000020004" pitchFamily="50" charset="-127"/>
+                <a:ea typeface="맑은 고딕" panose="020B0503020000020004" pitchFamily="50" charset="-127"/>
+              </a:endParaRPr>
+            </a:p>
+          </p:txBody>
+        </p:sp>
+      </p:grpSp>
+    </p:spTree>
+    <p:extLst>
+      <p:ext uri="{BB962C8B-B14F-4D97-AF65-F5344CB8AC3E}">
+        <p14:creationId xmlns:p14="http://schemas.microsoft.com/office/powerpoint/2010/main" val="2332936057"/>
+      </p:ext>
+    </p:extLst>
+  </p:cSld>
+  <p:clrMapOvr>
+    <a:masterClrMapping/>
+  </p:clrMapOvr>
+</p:sld>
+</file>
+
+<file path=ppt/slides/slide4.xml><?xml version="1.0" encoding="utf-8"?>
+<p:sld xmlns:a="http://schemas.openxmlformats.org/drawingml/2006/main" xmlns:r="http://schemas.openxmlformats.org/officeDocument/2006/relationships" xmlns:p="http://schemas.openxmlformats.org/presentationml/2006/main">
+  <p:cSld>
+    <p:spTree>
+      <p:nvGrpSpPr>
+        <p:cNvPr id="1" name=""/>
+        <p:cNvGrpSpPr/>
+        <p:nvPr/>
+      </p:nvGrpSpPr>
+      <p:grpSpPr>
+        <a:xfrm>
+          <a:off x="0" y="0"/>
+          <a:ext cx="0" cy="0"/>
+          <a:chOff x="0" y="0"/>
+          <a:chExt cx="0" cy="0"/>
+        </a:xfrm>
+      </p:grpSpPr>
+      <p:sp>
+        <p:nvSpPr>
+          <p:cNvPr id="2" name="제목 1">
+            <a:extLst>
+              <a:ext uri="{FF2B5EF4-FFF2-40B4-BE49-F238E27FC236}">
+                <a16:creationId xmlns:a16="http://schemas.microsoft.com/office/drawing/2014/main" id="{18C82DEA-9FDF-49C2-ADD9-51191E2B9D72}"/>
+              </a:ext>
+            </a:extLst>
+          </p:cNvPr>
+          <p:cNvSpPr>
+            <a:spLocks noGrp="1"/>
+          </p:cNvSpPr>
+          <p:nvPr>
+            <p:ph type="title"/>
+          </p:nvPr>
+        </p:nvSpPr>
+        <p:spPr/>
+        <p:txBody>
+          <a:bodyPr/>
+          <a:lstStyle/>
+          <a:p>
+            <a:endParaRPr lang="ko-KR" altLang="en-US" dirty="0"/>
+          </a:p>
+        </p:txBody>
+      </p:sp>
+      <p:sp>
+        <p:nvSpPr>
+          <p:cNvPr id="4" name="슬라이드 번호 개체 틀 3">
+            <a:extLst>
+              <a:ext uri="{FF2B5EF4-FFF2-40B4-BE49-F238E27FC236}">
+                <a16:creationId xmlns:a16="http://schemas.microsoft.com/office/drawing/2014/main" id="{3B9743E6-8A1A-4FA9-9568-75933073CE17}"/>
+              </a:ext>
+            </a:extLst>
+          </p:cNvPr>
+          <p:cNvSpPr>
+            <a:spLocks noGrp="1"/>
+          </p:cNvSpPr>
+          <p:nvPr>
+            <p:ph type="sldNum" sz="quarter" idx="12"/>
+          </p:nvPr>
+        </p:nvSpPr>
+        <p:spPr/>
+        <p:txBody>
+          <a:bodyPr/>
+          <a:lstStyle/>
+          <a:p>
+            <a:pPr>
+              <a:defRPr/>
+            </a:pPr>
+            <a:fld id="{C306A839-116B-4D11-88AC-3399AE2BA410}" type="slidenum">
+              <a:rPr lang="en-US" altLang="ko-KR" smtClean="0"/>
+              <a:pPr>
+                <a:defRPr/>
+              </a:pPr>
+              <a:t>4</a:t>
+            </a:fld>
+            <a:endParaRPr lang="en-US" altLang="ko-KR"/>
+          </a:p>
+        </p:txBody>
+      </p:sp>
+      <p:pic>
+        <p:nvPicPr>
+          <p:cNvPr id="6" name="그림 5">
+            <a:extLst>
+              <a:ext uri="{FF2B5EF4-FFF2-40B4-BE49-F238E27FC236}">
+                <a16:creationId xmlns:a16="http://schemas.microsoft.com/office/drawing/2014/main" id="{B17D5DD1-0F23-4B9F-8397-EE773AD371AC}"/>
+              </a:ext>
+            </a:extLst>
+          </p:cNvPr>
+          <p:cNvPicPr>
+            <a:picLocks noChangeAspect="1"/>
+          </p:cNvPicPr>
+          <p:nvPr/>
+        </p:nvPicPr>
+        <p:blipFill>
+          <a:blip r:embed="rId2">
+            <a:extLst>
+              <a:ext uri="{28A0092B-C50C-407E-A947-70E740481C1C}">
+                <a14:useLocalDpi xmlns:a14="http://schemas.microsoft.com/office/drawing/2010/main" val="0"/>
+              </a:ext>
+            </a:extLst>
+          </a:blip>
+          <a:stretch>
+            <a:fillRect/>
+          </a:stretch>
+        </p:blipFill>
+        <p:spPr>
+          <a:xfrm>
+            <a:off x="1043608" y="1196752"/>
+            <a:ext cx="7209858" cy="5409517"/>
+          </a:xfrm>
+          <a:prstGeom prst="rect">
+            <a:avLst/>
+          </a:prstGeom>
+        </p:spPr>
+      </p:pic>
+      <p:sp>
+        <p:nvSpPr>
+          <p:cNvPr id="12" name="화살표: 아래쪽 11">
+            <a:extLst>
+              <a:ext uri="{FF2B5EF4-FFF2-40B4-BE49-F238E27FC236}">
+                <a16:creationId xmlns:a16="http://schemas.microsoft.com/office/drawing/2014/main" id="{889FA8F3-8298-4C7B-B91F-DD3C3D011DDD}"/>
+              </a:ext>
+            </a:extLst>
+          </p:cNvPr>
+          <p:cNvSpPr/>
+          <p:nvPr/>
+        </p:nvSpPr>
+        <p:spPr bwMode="auto">
+          <a:xfrm rot="3667124">
+            <a:off x="2997077" y="1954596"/>
+            <a:ext cx="273860" cy="540000"/>
+          </a:xfrm>
+          <a:prstGeom prst="downArrow">
+            <a:avLst/>
+          </a:prstGeom>
+          <a:solidFill>
+            <a:schemeClr val="bg1"/>
+          </a:solidFill>
+          <a:ln w="15875" cap="flat" cmpd="sng" algn="ctr">
+            <a:solidFill>
+              <a:schemeClr val="tx1"/>
+            </a:solidFill>
+            <a:prstDash val="solid"/>
+            <a:round/>
+            <a:headEnd type="none" w="med" len="med"/>
+            <a:tailEnd type="none" w="med" len="med"/>
+          </a:ln>
+          <a:effectLst/>
+        </p:spPr>
+        <p:txBody>
+          <a:bodyPr vert="horz" wrap="none" lIns="0" tIns="0" rIns="0" bIns="0" numCol="1" rtlCol="0" anchor="ctr" anchorCtr="1" compatLnSpc="1">
+            <a:prstTxWarp prst="textNoShape">
+              <a:avLst/>
+            </a:prstTxWarp>
+          </a:bodyPr>
+          <a:lstStyle/>
+          <a:p>
+            <a:pPr marL="0" marR="0" indent="0" algn="l" defTabSz="914400" rtl="0" eaLnBrk="1" fontAlgn="base" latinLnBrk="1" hangingPunct="1">
+              <a:lnSpc>
+                <a:spcPct val="100000"/>
+              </a:lnSpc>
+              <a:spcBef>
+                <a:spcPct val="0"/>
+              </a:spcBef>
+              <a:spcAft>
+                <a:spcPct val="0"/>
+              </a:spcAft>
+              <a:buClrTx/>
+              <a:buSzTx/>
+              <a:buFontTx/>
+              <a:buNone/>
+              <a:tabLst/>
+            </a:pPr>
+            <a:endParaRPr kumimoji="1" lang="ko-KR" altLang="en-US" sz="1400" b="0" i="0" u="none" strike="noStrike" cap="none" normalizeH="0" baseline="0" dirty="0" err="1">
+              <a:ln>
+                <a:noFill/>
+              </a:ln>
+              <a:solidFill>
+                <a:schemeClr val="tx1"/>
+              </a:solidFill>
+              <a:effectLst/>
+              <a:latin typeface="맑은 고딕" panose="020B0503020000020004" pitchFamily="50" charset="-127"/>
+              <a:ea typeface="맑은 고딕" panose="020B0503020000020004" pitchFamily="50" charset="-127"/>
+            </a:endParaRPr>
+          </a:p>
+        </p:txBody>
+      </p:sp>
+      <p:sp>
+        <p:nvSpPr>
+          <p:cNvPr id="15" name="TextBox 14">
+            <a:extLst>
+              <a:ext uri="{FF2B5EF4-FFF2-40B4-BE49-F238E27FC236}">
+                <a16:creationId xmlns:a16="http://schemas.microsoft.com/office/drawing/2014/main" id="{2DD7E8F6-E9CD-4CE5-885A-A6B0A183B20B}"/>
+              </a:ext>
+            </a:extLst>
+          </p:cNvPr>
+          <p:cNvSpPr txBox="1"/>
+          <p:nvPr/>
+        </p:nvSpPr>
+        <p:spPr>
+          <a:xfrm>
+            <a:off x="5031274" y="2013457"/>
+            <a:ext cx="227626" cy="246221"/>
+          </a:xfrm>
+          <a:prstGeom prst="rect">
+            <a:avLst/>
+          </a:prstGeom>
+          <a:solidFill>
+            <a:schemeClr val="bg1"/>
+          </a:solidFill>
+        </p:spPr>
+        <p:txBody>
+          <a:bodyPr wrap="none" lIns="0" tIns="0" rIns="0" bIns="0" rtlCol="0">
+            <a:spAutoFit/>
+          </a:bodyPr>
+          <a:lstStyle/>
+          <a:p>
+            <a:r>
+              <a:rPr lang="en-US" altLang="ko-KR" sz="1600" dirty="0">
+                <a:solidFill>
+                  <a:srgbClr val="FF0000"/>
+                </a:solidFill>
+                <a:latin typeface="맑은 고딕" panose="020B0503020000020004" pitchFamily="50" charset="-127"/>
+                <a:ea typeface="맑은 고딕" panose="020B0503020000020004" pitchFamily="50" charset="-127"/>
+              </a:rPr>
+              <a:t>04</a:t>
+            </a:r>
+            <a:endParaRPr lang="ko-KR" altLang="en-US" sz="1600" dirty="0">
+              <a:solidFill>
+                <a:srgbClr val="FF0000"/>
+              </a:solidFill>
+              <a:latin typeface="맑은 고딕" panose="020B0503020000020004" pitchFamily="50" charset="-127"/>
+              <a:ea typeface="맑은 고딕" panose="020B0503020000020004" pitchFamily="50" charset="-127"/>
+            </a:endParaRPr>
+          </a:p>
+        </p:txBody>
+      </p:sp>
+      <p:sp>
+        <p:nvSpPr>
+          <p:cNvPr id="16" name="TextBox 15">
+            <a:extLst>
+              <a:ext uri="{FF2B5EF4-FFF2-40B4-BE49-F238E27FC236}">
+                <a16:creationId xmlns:a16="http://schemas.microsoft.com/office/drawing/2014/main" id="{0CFB788F-35BE-4DEC-8AB7-5ADB20B077A8}"/>
+              </a:ext>
+            </a:extLst>
+          </p:cNvPr>
+          <p:cNvSpPr txBox="1"/>
+          <p:nvPr/>
+        </p:nvSpPr>
+        <p:spPr>
+          <a:xfrm>
+            <a:off x="3349553" y="2159784"/>
+            <a:ext cx="227626" cy="246221"/>
+          </a:xfrm>
+          <a:prstGeom prst="rect">
+            <a:avLst/>
+          </a:prstGeom>
+          <a:solidFill>
+            <a:schemeClr val="bg1"/>
+          </a:solidFill>
+        </p:spPr>
+        <p:txBody>
+          <a:bodyPr wrap="none" lIns="0" tIns="0" rIns="0" bIns="0" rtlCol="0">
+            <a:spAutoFit/>
+          </a:bodyPr>
+          <a:lstStyle/>
+          <a:p>
+            <a:r>
+              <a:rPr lang="en-US" altLang="ko-KR" sz="1600" dirty="0">
+                <a:solidFill>
+                  <a:srgbClr val="FF0000"/>
+                </a:solidFill>
+                <a:latin typeface="맑은 고딕" panose="020B0503020000020004" pitchFamily="50" charset="-127"/>
+                <a:ea typeface="맑은 고딕" panose="020B0503020000020004" pitchFamily="50" charset="-127"/>
+              </a:rPr>
+              <a:t>05</a:t>
+            </a:r>
+            <a:endParaRPr lang="ko-KR" altLang="en-US" sz="1600" dirty="0">
+              <a:solidFill>
+                <a:srgbClr val="FF0000"/>
+              </a:solidFill>
+              <a:latin typeface="맑은 고딕" panose="020B0503020000020004" pitchFamily="50" charset="-127"/>
+              <a:ea typeface="맑은 고딕" panose="020B0503020000020004" pitchFamily="50" charset="-127"/>
+            </a:endParaRPr>
+          </a:p>
+        </p:txBody>
+      </p:sp>
+      <p:sp>
+        <p:nvSpPr>
+          <p:cNvPr id="17" name="TextBox 16">
+            <a:extLst>
+              <a:ext uri="{FF2B5EF4-FFF2-40B4-BE49-F238E27FC236}">
+                <a16:creationId xmlns:a16="http://schemas.microsoft.com/office/drawing/2014/main" id="{53F3B1E2-F094-4A1E-AC87-CA4DDE9FACFC}"/>
+              </a:ext>
+            </a:extLst>
+          </p:cNvPr>
+          <p:cNvSpPr txBox="1"/>
+          <p:nvPr/>
+        </p:nvSpPr>
+        <p:spPr>
+          <a:xfrm>
+            <a:off x="817857" y="2822067"/>
+            <a:ext cx="227626" cy="246221"/>
+          </a:xfrm>
+          <a:prstGeom prst="rect">
+            <a:avLst/>
+          </a:prstGeom>
+          <a:solidFill>
+            <a:schemeClr val="bg1"/>
+          </a:solidFill>
+        </p:spPr>
+        <p:txBody>
+          <a:bodyPr wrap="none" lIns="0" tIns="0" rIns="0" bIns="0" rtlCol="0">
+            <a:spAutoFit/>
+          </a:bodyPr>
+          <a:lstStyle/>
+          <a:p>
+            <a:r>
+              <a:rPr lang="en-US" altLang="ko-KR" sz="1600" dirty="0">
+                <a:solidFill>
+                  <a:srgbClr val="FF0000"/>
+                </a:solidFill>
+                <a:latin typeface="맑은 고딕" panose="020B0503020000020004" pitchFamily="50" charset="-127"/>
+                <a:ea typeface="맑은 고딕" panose="020B0503020000020004" pitchFamily="50" charset="-127"/>
+              </a:rPr>
+              <a:t>06</a:t>
+            </a:r>
+            <a:endParaRPr lang="ko-KR" altLang="en-US" sz="1600" dirty="0">
+              <a:solidFill>
+                <a:srgbClr val="FF0000"/>
+              </a:solidFill>
+              <a:latin typeface="맑은 고딕" panose="020B0503020000020004" pitchFamily="50" charset="-127"/>
+              <a:ea typeface="맑은 고딕" panose="020B0503020000020004" pitchFamily="50" charset="-127"/>
+            </a:endParaRPr>
+          </a:p>
+        </p:txBody>
+      </p:sp>
+      <p:sp>
+        <p:nvSpPr>
+          <p:cNvPr id="3" name="직사각형 2">
+            <a:extLst>
+              <a:ext uri="{FF2B5EF4-FFF2-40B4-BE49-F238E27FC236}">
+                <a16:creationId xmlns:a16="http://schemas.microsoft.com/office/drawing/2014/main" id="{08662E04-DFBB-4911-9AAD-2B77819E5981}"/>
+              </a:ext>
+            </a:extLst>
+          </p:cNvPr>
+          <p:cNvSpPr/>
+          <p:nvPr/>
+        </p:nvSpPr>
+        <p:spPr bwMode="auto">
+          <a:xfrm>
+            <a:off x="2115545" y="2406005"/>
+            <a:ext cx="3018605" cy="662283"/>
+          </a:xfrm>
+          <a:prstGeom prst="rect">
+            <a:avLst/>
+          </a:prstGeom>
+          <a:solidFill>
+            <a:schemeClr val="bg1"/>
+          </a:solidFill>
+          <a:ln w="25400" cap="flat" cmpd="sng" algn="ctr">
+            <a:solidFill>
+              <a:srgbClr val="FF0000"/>
+            </a:solidFill>
+            <a:prstDash val="solid"/>
+            <a:round/>
+            <a:headEnd type="none" w="med" len="med"/>
+            <a:tailEnd type="none" w="med" len="med"/>
+          </a:ln>
+          <a:effectLst/>
+        </p:spPr>
+        <p:txBody>
+          <a:bodyPr vert="horz" wrap="none" lIns="0" tIns="0" rIns="0" bIns="0" numCol="1" rtlCol="0" anchor="ctr" anchorCtr="1" compatLnSpc="1">
+            <a:prstTxWarp prst="textNoShape">
+              <a:avLst/>
+            </a:prstTxWarp>
+          </a:bodyPr>
+          <a:lstStyle/>
+          <a:p>
+            <a:endParaRPr lang="ko-KR" altLang="en-US" sz="1400" dirty="0" err="1">
+              <a:solidFill>
+                <a:srgbClr val="FF0000"/>
+              </a:solidFill>
+              <a:latin typeface="맑은 고딕" panose="020B0503020000020004" pitchFamily="50" charset="-127"/>
+              <a:ea typeface="맑은 고딕" panose="020B0503020000020004" pitchFamily="50" charset="-127"/>
+            </a:endParaRPr>
+          </a:p>
+        </p:txBody>
+      </p:sp>
+      <p:sp>
+        <p:nvSpPr>
+          <p:cNvPr id="22" name="직사각형 21">
+            <a:extLst>
+              <a:ext uri="{FF2B5EF4-FFF2-40B4-BE49-F238E27FC236}">
+                <a16:creationId xmlns:a16="http://schemas.microsoft.com/office/drawing/2014/main" id="{D6E5FE28-817C-4AE9-AC22-F62F42422BC1}"/>
+              </a:ext>
+            </a:extLst>
+          </p:cNvPr>
+          <p:cNvSpPr/>
+          <p:nvPr/>
+        </p:nvSpPr>
+        <p:spPr bwMode="auto">
+          <a:xfrm>
+            <a:off x="1849610" y="5589240"/>
+            <a:ext cx="2218334" cy="574007"/>
+          </a:xfrm>
+          <a:prstGeom prst="rect">
+            <a:avLst/>
+          </a:prstGeom>
+          <a:solidFill>
+            <a:schemeClr val="bg1"/>
+          </a:solidFill>
+          <a:ln w="25400" cap="flat" cmpd="sng" algn="ctr">
+            <a:solidFill>
+              <a:srgbClr val="FF0000"/>
+            </a:solidFill>
+            <a:prstDash val="solid"/>
+            <a:round/>
+            <a:headEnd type="none" w="med" len="med"/>
+            <a:tailEnd type="none" w="med" len="med"/>
+          </a:ln>
+          <a:effectLst/>
+        </p:spPr>
+        <p:txBody>
+          <a:bodyPr vert="horz" wrap="none" lIns="0" tIns="0" rIns="0" bIns="0" numCol="1" rtlCol="0" anchor="ctr" anchorCtr="1" compatLnSpc="1">
+            <a:prstTxWarp prst="textNoShape">
+              <a:avLst/>
+            </a:prstTxWarp>
+          </a:bodyPr>
+          <a:lstStyle/>
+          <a:p>
+            <a:endParaRPr lang="ko-KR" altLang="en-US" sz="1400" dirty="0" err="1">
+              <a:solidFill>
+                <a:srgbClr val="FF0000"/>
+              </a:solidFill>
+              <a:latin typeface="맑은 고딕" panose="020B0503020000020004" pitchFamily="50" charset="-127"/>
+              <a:ea typeface="맑은 고딕" panose="020B0503020000020004" pitchFamily="50" charset="-127"/>
+            </a:endParaRPr>
+          </a:p>
+        </p:txBody>
+      </p:sp>
+      <p:sp>
+        <p:nvSpPr>
+          <p:cNvPr id="25" name="직사각형 24">
+            <a:extLst>
+              <a:ext uri="{FF2B5EF4-FFF2-40B4-BE49-F238E27FC236}">
+                <a16:creationId xmlns:a16="http://schemas.microsoft.com/office/drawing/2014/main" id="{7A419BCD-EC95-491A-B4A9-2A15D3BA822A}"/>
+              </a:ext>
+            </a:extLst>
+          </p:cNvPr>
+          <p:cNvSpPr/>
+          <p:nvPr/>
+        </p:nvSpPr>
+        <p:spPr bwMode="auto">
+          <a:xfrm rot="16200000">
+            <a:off x="134004" y="3836934"/>
+            <a:ext cx="2588833" cy="690261"/>
+          </a:xfrm>
+          <a:prstGeom prst="rect">
+            <a:avLst/>
+          </a:prstGeom>
+          <a:solidFill>
+            <a:schemeClr val="bg1"/>
+          </a:solidFill>
+          <a:ln w="25400" cap="flat" cmpd="sng" algn="ctr">
+            <a:solidFill>
+              <a:srgbClr val="FF0000"/>
+            </a:solidFill>
+            <a:prstDash val="solid"/>
+            <a:round/>
+            <a:headEnd type="none" w="med" len="med"/>
+            <a:tailEnd type="none" w="med" len="med"/>
+          </a:ln>
+          <a:effectLst/>
+        </p:spPr>
+        <p:txBody>
+          <a:bodyPr vert="horz" wrap="none" lIns="0" tIns="0" rIns="0" bIns="0" numCol="1" rtlCol="0" anchor="ctr" anchorCtr="1" compatLnSpc="1">
+            <a:prstTxWarp prst="textNoShape">
+              <a:avLst/>
+            </a:prstTxWarp>
+          </a:bodyPr>
+          <a:lstStyle/>
+          <a:p>
+            <a:pPr marL="0" marR="0" indent="0" algn="l" defTabSz="914400" rtl="0" eaLnBrk="1" fontAlgn="base" latinLnBrk="1" hangingPunct="1">
+              <a:lnSpc>
+                <a:spcPct val="100000"/>
+              </a:lnSpc>
+              <a:spcBef>
+                <a:spcPct val="0"/>
+              </a:spcBef>
+              <a:spcAft>
+                <a:spcPct val="0"/>
+              </a:spcAft>
+              <a:buClrTx/>
+              <a:buSzTx/>
+              <a:buFontTx/>
+              <a:buNone/>
+              <a:tabLst/>
+            </a:pPr>
+            <a:endParaRPr kumimoji="1" lang="ko-KR" altLang="en-US" sz="1400" b="0" i="0" u="none" strike="noStrike" cap="none" normalizeH="0" baseline="0" dirty="0" err="1">
+              <a:ln>
+                <a:noFill/>
+              </a:ln>
+              <a:solidFill>
+                <a:srgbClr val="FF0000"/>
+              </a:solidFill>
+              <a:effectLst/>
+              <a:latin typeface="맑은 고딕" panose="020B0503020000020004" pitchFamily="50" charset="-127"/>
+              <a:ea typeface="맑은 고딕" panose="020B0503020000020004" pitchFamily="50" charset="-127"/>
+            </a:endParaRPr>
+          </a:p>
+        </p:txBody>
+      </p:sp>
+      <p:sp>
+        <p:nvSpPr>
+          <p:cNvPr id="28" name="직사각형 27">
+            <a:extLst>
+              <a:ext uri="{FF2B5EF4-FFF2-40B4-BE49-F238E27FC236}">
+                <a16:creationId xmlns:a16="http://schemas.microsoft.com/office/drawing/2014/main" id="{EC1C58D4-FA70-44C8-8F1C-E833688429B8}"/>
+              </a:ext>
+            </a:extLst>
+          </p:cNvPr>
+          <p:cNvSpPr/>
+          <p:nvPr/>
+        </p:nvSpPr>
+        <p:spPr bwMode="auto">
+          <a:xfrm rot="16200000">
+            <a:off x="999902" y="1632351"/>
+            <a:ext cx="849212" cy="698094"/>
+          </a:xfrm>
+          <a:prstGeom prst="rect">
+            <a:avLst/>
+          </a:prstGeom>
+          <a:solidFill>
+            <a:schemeClr val="bg1"/>
+          </a:solidFill>
+          <a:ln w="25400" cap="flat" cmpd="sng" algn="ctr">
+            <a:solidFill>
+              <a:srgbClr val="FF0000"/>
+            </a:solidFill>
+            <a:prstDash val="solid"/>
+            <a:round/>
+            <a:headEnd type="none" w="med" len="med"/>
+            <a:tailEnd type="none" w="med" len="med"/>
+          </a:ln>
+          <a:effectLst/>
+        </p:spPr>
+        <p:txBody>
+          <a:bodyPr vert="horz" wrap="none" lIns="0" tIns="0" rIns="0" bIns="0" numCol="1" rtlCol="0" anchor="ctr" anchorCtr="1" compatLnSpc="1">
+            <a:prstTxWarp prst="textNoShape">
+              <a:avLst/>
+            </a:prstTxWarp>
+          </a:bodyPr>
+          <a:lstStyle/>
+          <a:p>
+            <a:endParaRPr lang="ko-KR" altLang="en-US" sz="1400" dirty="0" err="1">
+              <a:solidFill>
+                <a:srgbClr val="FF0000"/>
+              </a:solidFill>
+              <a:latin typeface="맑은 고딕" panose="020B0503020000020004" pitchFamily="50" charset="-127"/>
+              <a:ea typeface="맑은 고딕" panose="020B0503020000020004" pitchFamily="50" charset="-127"/>
+            </a:endParaRPr>
+          </a:p>
+        </p:txBody>
+      </p:sp>
+      <p:sp>
+        <p:nvSpPr>
+          <p:cNvPr id="13" name="화살표: 아래쪽 12">
+            <a:extLst>
+              <a:ext uri="{FF2B5EF4-FFF2-40B4-BE49-F238E27FC236}">
+                <a16:creationId xmlns:a16="http://schemas.microsoft.com/office/drawing/2014/main" id="{43585F23-7BA5-419A-8862-AD583451AD8B}"/>
+              </a:ext>
+            </a:extLst>
+          </p:cNvPr>
+          <p:cNvSpPr/>
+          <p:nvPr/>
+        </p:nvSpPr>
+        <p:spPr bwMode="auto">
+          <a:xfrm rot="16200000">
+            <a:off x="952801" y="2480719"/>
+            <a:ext cx="273860" cy="540000"/>
+          </a:xfrm>
+          <a:prstGeom prst="downArrow">
+            <a:avLst/>
+          </a:prstGeom>
+          <a:solidFill>
+            <a:schemeClr val="bg1"/>
+          </a:solidFill>
+          <a:ln w="15875" cap="flat" cmpd="sng" algn="ctr">
+            <a:solidFill>
+              <a:schemeClr val="tx1"/>
+            </a:solidFill>
+            <a:prstDash val="solid"/>
+            <a:round/>
+            <a:headEnd type="none" w="med" len="med"/>
+            <a:tailEnd type="none" w="med" len="med"/>
+          </a:ln>
+          <a:effectLst/>
+        </p:spPr>
+        <p:txBody>
+          <a:bodyPr vert="horz" wrap="none" lIns="0" tIns="0" rIns="0" bIns="0" numCol="1" rtlCol="0" anchor="ctr" anchorCtr="1" compatLnSpc="1">
+            <a:prstTxWarp prst="textNoShape">
+              <a:avLst/>
+            </a:prstTxWarp>
+          </a:bodyPr>
+          <a:lstStyle/>
+          <a:p>
+            <a:pPr marL="0" marR="0" indent="0" algn="l" defTabSz="914400" rtl="0" eaLnBrk="1" fontAlgn="base" latinLnBrk="1" hangingPunct="1">
+              <a:lnSpc>
+                <a:spcPct val="100000"/>
+              </a:lnSpc>
+              <a:spcBef>
+                <a:spcPct val="0"/>
+              </a:spcBef>
+              <a:spcAft>
+                <a:spcPct val="0"/>
+              </a:spcAft>
+              <a:buClrTx/>
+              <a:buSzTx/>
+              <a:buFontTx/>
+              <a:buNone/>
+              <a:tabLst/>
+            </a:pPr>
+            <a:endParaRPr kumimoji="1" lang="ko-KR" altLang="en-US" sz="1400" b="0" i="0" u="none" strike="noStrike" cap="none" normalizeH="0" baseline="0" dirty="0" err="1">
+              <a:ln>
+                <a:noFill/>
+              </a:ln>
+              <a:solidFill>
+                <a:schemeClr val="tx1"/>
+              </a:solidFill>
+              <a:effectLst/>
+              <a:latin typeface="맑은 고딕" panose="020B0503020000020004" pitchFamily="50" charset="-127"/>
+              <a:ea typeface="맑은 고딕" panose="020B0503020000020004" pitchFamily="50" charset="-127"/>
+            </a:endParaRPr>
+          </a:p>
+        </p:txBody>
+      </p:sp>
+      <p:sp>
+        <p:nvSpPr>
+          <p:cNvPr id="11" name="화살표: 아래쪽 10">
+            <a:extLst>
+              <a:ext uri="{FF2B5EF4-FFF2-40B4-BE49-F238E27FC236}">
+                <a16:creationId xmlns:a16="http://schemas.microsoft.com/office/drawing/2014/main" id="{A00A0FBB-D71B-46DD-B29D-93F78CFDEF4C}"/>
+              </a:ext>
+            </a:extLst>
+          </p:cNvPr>
+          <p:cNvSpPr/>
+          <p:nvPr/>
+        </p:nvSpPr>
+        <p:spPr bwMode="auto">
+          <a:xfrm rot="3790658">
+            <a:off x="5091161" y="2078370"/>
+            <a:ext cx="273860" cy="540000"/>
+          </a:xfrm>
+          <a:prstGeom prst="downArrow">
+            <a:avLst/>
+          </a:prstGeom>
+          <a:solidFill>
+            <a:schemeClr val="bg1"/>
+          </a:solidFill>
+          <a:ln w="15875" cap="flat" cmpd="sng" algn="ctr">
+            <a:solidFill>
+              <a:schemeClr val="tx1"/>
+            </a:solidFill>
+            <a:prstDash val="solid"/>
+            <a:round/>
+            <a:headEnd type="none" w="med" len="med"/>
+            <a:tailEnd type="none" w="med" len="med"/>
+          </a:ln>
+          <a:effectLst/>
+        </p:spPr>
+        <p:txBody>
+          <a:bodyPr vert="horz" wrap="none" lIns="0" tIns="0" rIns="0" bIns="0" numCol="1" rtlCol="0" anchor="ctr" anchorCtr="1" compatLnSpc="1">
+            <a:prstTxWarp prst="textNoShape">
+              <a:avLst/>
+            </a:prstTxWarp>
+          </a:bodyPr>
+          <a:lstStyle/>
+          <a:p>
+            <a:pPr marL="0" marR="0" indent="0" algn="l" defTabSz="914400" rtl="0" eaLnBrk="1" fontAlgn="base" latinLnBrk="1" hangingPunct="1">
+              <a:lnSpc>
+                <a:spcPct val="100000"/>
+              </a:lnSpc>
+              <a:spcBef>
+                <a:spcPct val="0"/>
+              </a:spcBef>
+              <a:spcAft>
+                <a:spcPct val="0"/>
+              </a:spcAft>
+              <a:buClrTx/>
+              <a:buSzTx/>
+              <a:buFontTx/>
+              <a:buNone/>
+              <a:tabLst/>
+            </a:pPr>
+            <a:endParaRPr kumimoji="1" lang="ko-KR" altLang="en-US" sz="1400" b="0" i="0" u="none" strike="noStrike" cap="none" normalizeH="0" baseline="0" dirty="0" err="1">
+              <a:ln>
+                <a:noFill/>
+              </a:ln>
+              <a:solidFill>
+                <a:schemeClr val="tx1"/>
+              </a:solidFill>
+              <a:effectLst/>
+              <a:latin typeface="맑은 고딕" panose="020B0503020000020004" pitchFamily="50" charset="-127"/>
+              <a:ea typeface="맑은 고딕" panose="020B0503020000020004" pitchFamily="50" charset="-127"/>
+            </a:endParaRPr>
+          </a:p>
+        </p:txBody>
+      </p:sp>
+      <p:sp>
+        <p:nvSpPr>
+          <p:cNvPr id="7" name="TextBox 6">
+            <a:extLst>
+              <a:ext uri="{FF2B5EF4-FFF2-40B4-BE49-F238E27FC236}">
+                <a16:creationId xmlns:a16="http://schemas.microsoft.com/office/drawing/2014/main" id="{DF534260-4E58-4CD3-BA66-B55A4138EA90}"/>
+              </a:ext>
+            </a:extLst>
+          </p:cNvPr>
+          <p:cNvSpPr txBox="1"/>
+          <p:nvPr/>
+        </p:nvSpPr>
+        <p:spPr>
+          <a:xfrm>
+            <a:off x="1385097" y="3352951"/>
+            <a:ext cx="134652" cy="246221"/>
+          </a:xfrm>
+          <a:prstGeom prst="rect">
+            <a:avLst/>
+          </a:prstGeom>
+          <a:solidFill>
+            <a:schemeClr val="bg1"/>
+          </a:solidFill>
+        </p:spPr>
+        <p:txBody>
+          <a:bodyPr wrap="none" lIns="0" tIns="0" rIns="0" bIns="0" rtlCol="0">
+            <a:spAutoFit/>
+          </a:bodyPr>
+          <a:lstStyle/>
+          <a:p>
+            <a:r>
+              <a:rPr lang="en-US" altLang="ko-KR" sz="1600" dirty="0">
+                <a:solidFill>
+                  <a:srgbClr val="FF0000"/>
+                </a:solidFill>
+                <a:latin typeface="맑은 고딕" panose="020B0503020000020004" pitchFamily="50" charset="-127"/>
+                <a:ea typeface="맑은 고딕" panose="020B0503020000020004" pitchFamily="50" charset="-127"/>
+              </a:rPr>
+              <a:t>A</a:t>
+            </a:r>
+            <a:endParaRPr lang="ko-KR" altLang="en-US" sz="1600" dirty="0">
+              <a:solidFill>
+                <a:srgbClr val="FF0000"/>
+              </a:solidFill>
+              <a:latin typeface="맑은 고딕" panose="020B0503020000020004" pitchFamily="50" charset="-127"/>
+              <a:ea typeface="맑은 고딕" panose="020B0503020000020004" pitchFamily="50" charset="-127"/>
+            </a:endParaRPr>
+          </a:p>
+        </p:txBody>
+      </p:sp>
+      <p:sp>
+        <p:nvSpPr>
+          <p:cNvPr id="20" name="TextBox 19">
+            <a:extLst>
+              <a:ext uri="{FF2B5EF4-FFF2-40B4-BE49-F238E27FC236}">
+                <a16:creationId xmlns:a16="http://schemas.microsoft.com/office/drawing/2014/main" id="{35AFA624-A904-4BC1-BBF7-356BF5534113}"/>
+              </a:ext>
+            </a:extLst>
+          </p:cNvPr>
+          <p:cNvSpPr txBox="1"/>
+          <p:nvPr/>
+        </p:nvSpPr>
+        <p:spPr>
+          <a:xfrm>
+            <a:off x="1358393" y="1814167"/>
+            <a:ext cx="120226" cy="246221"/>
+          </a:xfrm>
+          <a:prstGeom prst="rect">
+            <a:avLst/>
+          </a:prstGeom>
+          <a:solidFill>
+            <a:schemeClr val="bg1"/>
+          </a:solidFill>
+        </p:spPr>
+        <p:txBody>
+          <a:bodyPr wrap="none" lIns="0" tIns="0" rIns="0" bIns="0" rtlCol="0">
+            <a:spAutoFit/>
+          </a:bodyPr>
+          <a:lstStyle/>
+          <a:p>
+            <a:r>
+              <a:rPr lang="en-US" altLang="ko-KR" sz="1600" dirty="0">
+                <a:solidFill>
+                  <a:srgbClr val="FF0000"/>
+                </a:solidFill>
+                <a:latin typeface="맑은 고딕" panose="020B0503020000020004" pitchFamily="50" charset="-127"/>
+                <a:ea typeface="맑은 고딕" panose="020B0503020000020004" pitchFamily="50" charset="-127"/>
+              </a:rPr>
+              <a:t>B</a:t>
+            </a:r>
+            <a:endParaRPr lang="ko-KR" altLang="en-US" sz="1600" dirty="0">
+              <a:solidFill>
+                <a:srgbClr val="FF0000"/>
+              </a:solidFill>
+              <a:latin typeface="맑은 고딕" panose="020B0503020000020004" pitchFamily="50" charset="-127"/>
+              <a:ea typeface="맑은 고딕" panose="020B0503020000020004" pitchFamily="50" charset="-127"/>
+            </a:endParaRPr>
+          </a:p>
+        </p:txBody>
+      </p:sp>
+      <p:sp>
+        <p:nvSpPr>
+          <p:cNvPr id="8" name="TextBox 7">
+            <a:extLst>
+              <a:ext uri="{FF2B5EF4-FFF2-40B4-BE49-F238E27FC236}">
+                <a16:creationId xmlns:a16="http://schemas.microsoft.com/office/drawing/2014/main" id="{FF9E9F68-C289-45DE-B9F3-E2AE86DA5AA4}"/>
+              </a:ext>
+            </a:extLst>
+          </p:cNvPr>
+          <p:cNvSpPr txBox="1"/>
+          <p:nvPr/>
+        </p:nvSpPr>
+        <p:spPr>
+          <a:xfrm>
+            <a:off x="2726718" y="2592399"/>
+            <a:ext cx="129844" cy="246221"/>
+          </a:xfrm>
+          <a:prstGeom prst="rect">
+            <a:avLst/>
+          </a:prstGeom>
+          <a:solidFill>
+            <a:schemeClr val="bg1"/>
+          </a:solidFill>
+        </p:spPr>
+        <p:txBody>
+          <a:bodyPr wrap="none" lIns="0" tIns="0" rIns="0" bIns="0" rtlCol="0">
+            <a:spAutoFit/>
+          </a:bodyPr>
+          <a:lstStyle/>
+          <a:p>
+            <a:r>
+              <a:rPr lang="en-US" altLang="ko-KR" sz="1600" dirty="0">
+                <a:solidFill>
+                  <a:srgbClr val="FF0000"/>
+                </a:solidFill>
+                <a:latin typeface="맑은 고딕" panose="020B0503020000020004" pitchFamily="50" charset="-127"/>
+                <a:ea typeface="맑은 고딕" panose="020B0503020000020004" pitchFamily="50" charset="-127"/>
+              </a:rPr>
+              <a:t>C</a:t>
+            </a:r>
+            <a:endParaRPr lang="ko-KR" altLang="en-US" sz="1600" dirty="0">
+              <a:solidFill>
+                <a:srgbClr val="FF0000"/>
+              </a:solidFill>
+              <a:latin typeface="맑은 고딕" panose="020B0503020000020004" pitchFamily="50" charset="-127"/>
+              <a:ea typeface="맑은 고딕" panose="020B0503020000020004" pitchFamily="50" charset="-127"/>
+            </a:endParaRPr>
+          </a:p>
+        </p:txBody>
+      </p:sp>
+      <p:sp>
+        <p:nvSpPr>
+          <p:cNvPr id="9" name="TextBox 8">
+            <a:extLst>
+              <a:ext uri="{FF2B5EF4-FFF2-40B4-BE49-F238E27FC236}">
+                <a16:creationId xmlns:a16="http://schemas.microsoft.com/office/drawing/2014/main" id="{B8A4698A-7AF9-4F4E-8925-77F92E8AB7A9}"/>
+              </a:ext>
+            </a:extLst>
+          </p:cNvPr>
+          <p:cNvSpPr txBox="1"/>
+          <p:nvPr/>
+        </p:nvSpPr>
+        <p:spPr>
+          <a:xfrm>
+            <a:off x="2644164" y="5734550"/>
+            <a:ext cx="147476" cy="246221"/>
+          </a:xfrm>
+          <a:prstGeom prst="rect">
+            <a:avLst/>
+          </a:prstGeom>
+          <a:solidFill>
+            <a:schemeClr val="bg1"/>
+          </a:solidFill>
+        </p:spPr>
+        <p:txBody>
+          <a:bodyPr wrap="square" lIns="0" tIns="0" rIns="0" bIns="0" rtlCol="0">
+            <a:spAutoFit/>
+          </a:bodyPr>
+          <a:lstStyle/>
+          <a:p>
+            <a:r>
+              <a:rPr lang="en-US" altLang="ko-KR" sz="1600" dirty="0">
+                <a:solidFill>
+                  <a:srgbClr val="FF0000"/>
+                </a:solidFill>
+                <a:latin typeface="맑은 고딕" panose="020B0503020000020004" pitchFamily="50" charset="-127"/>
+                <a:ea typeface="맑은 고딕" panose="020B0503020000020004" pitchFamily="50" charset="-127"/>
+              </a:rPr>
+              <a:t>D</a:t>
+            </a:r>
+            <a:endParaRPr lang="ko-KR" altLang="en-US" sz="1600" dirty="0">
+              <a:solidFill>
+                <a:srgbClr val="FF0000"/>
+              </a:solidFill>
+              <a:latin typeface="맑은 고딕" panose="020B0503020000020004" pitchFamily="50" charset="-127"/>
+              <a:ea typeface="맑은 고딕" panose="020B0503020000020004" pitchFamily="50" charset="-127"/>
+            </a:endParaRPr>
+          </a:p>
+        </p:txBody>
+      </p:sp>
+      <p:sp>
+        <p:nvSpPr>
+          <p:cNvPr id="33" name="직사각형 32">
+            <a:extLst>
+              <a:ext uri="{FF2B5EF4-FFF2-40B4-BE49-F238E27FC236}">
+                <a16:creationId xmlns:a16="http://schemas.microsoft.com/office/drawing/2014/main" id="{DE0C9946-025D-43B7-91F1-4F8B457AE201}"/>
+              </a:ext>
+            </a:extLst>
+          </p:cNvPr>
+          <p:cNvSpPr/>
+          <p:nvPr/>
+        </p:nvSpPr>
+        <p:spPr bwMode="auto">
+          <a:xfrm>
+            <a:off x="1060889" y="5843118"/>
+            <a:ext cx="690262" cy="682226"/>
+          </a:xfrm>
+          <a:prstGeom prst="rect">
+            <a:avLst/>
+          </a:prstGeom>
+          <a:solidFill>
+            <a:schemeClr val="bg1"/>
+          </a:solidFill>
+          <a:ln w="25400" cap="flat" cmpd="sng" algn="ctr">
+            <a:solidFill>
+              <a:srgbClr val="FF0000"/>
+            </a:solidFill>
+            <a:prstDash val="solid"/>
+            <a:round/>
+            <a:headEnd type="none" w="med" len="med"/>
+            <a:tailEnd type="none" w="med" len="med"/>
+          </a:ln>
+          <a:effectLst/>
+        </p:spPr>
+        <p:txBody>
+          <a:bodyPr vert="horz" wrap="none" lIns="0" tIns="0" rIns="0" bIns="0" numCol="1" rtlCol="0" anchor="ctr" anchorCtr="1" compatLnSpc="1">
+            <a:prstTxWarp prst="textNoShape">
+              <a:avLst/>
+            </a:prstTxWarp>
+          </a:bodyPr>
+          <a:lstStyle/>
+          <a:p>
+            <a:endParaRPr lang="ko-KR" altLang="en-US" sz="1400" dirty="0" err="1">
+              <a:solidFill>
+                <a:srgbClr val="FF0000"/>
+              </a:solidFill>
+              <a:latin typeface="맑은 고딕" panose="020B0503020000020004" pitchFamily="50" charset="-127"/>
+              <a:ea typeface="맑은 고딕" panose="020B0503020000020004" pitchFamily="50" charset="-127"/>
+            </a:endParaRPr>
+          </a:p>
+        </p:txBody>
+      </p:sp>
+      <p:sp>
+        <p:nvSpPr>
+          <p:cNvPr id="14" name="화살표: 아래쪽 13">
+            <a:extLst>
+              <a:ext uri="{FF2B5EF4-FFF2-40B4-BE49-F238E27FC236}">
+                <a16:creationId xmlns:a16="http://schemas.microsoft.com/office/drawing/2014/main" id="{8FED061B-D2A0-4335-B3BA-D97D4ED10F59}"/>
+              </a:ext>
+            </a:extLst>
+          </p:cNvPr>
+          <p:cNvSpPr/>
+          <p:nvPr/>
+        </p:nvSpPr>
+        <p:spPr bwMode="auto">
+          <a:xfrm rot="14099618">
+            <a:off x="910739" y="5896683"/>
+            <a:ext cx="273860" cy="540000"/>
+          </a:xfrm>
+          <a:prstGeom prst="downArrow">
+            <a:avLst/>
+          </a:prstGeom>
+          <a:solidFill>
+            <a:schemeClr val="bg1"/>
+          </a:solidFill>
+          <a:ln w="15875" cap="flat" cmpd="sng" algn="ctr">
+            <a:solidFill>
+              <a:schemeClr val="tx1"/>
+            </a:solidFill>
+            <a:prstDash val="solid"/>
+            <a:round/>
+            <a:headEnd type="none" w="med" len="med"/>
+            <a:tailEnd type="none" w="med" len="med"/>
+          </a:ln>
+          <a:effectLst/>
+        </p:spPr>
+        <p:txBody>
+          <a:bodyPr vert="horz" wrap="none" lIns="0" tIns="0" rIns="0" bIns="0" numCol="1" rtlCol="0" anchor="ctr" anchorCtr="1" compatLnSpc="1">
+            <a:prstTxWarp prst="textNoShape">
+              <a:avLst/>
+            </a:prstTxWarp>
+          </a:bodyPr>
+          <a:lstStyle/>
+          <a:p>
+            <a:pPr marL="0" marR="0" indent="0" algn="l" defTabSz="914400" rtl="0" eaLnBrk="1" fontAlgn="base" latinLnBrk="1" hangingPunct="1">
+              <a:lnSpc>
+                <a:spcPct val="100000"/>
+              </a:lnSpc>
+              <a:spcBef>
+                <a:spcPct val="0"/>
+              </a:spcBef>
+              <a:spcAft>
+                <a:spcPct val="0"/>
+              </a:spcAft>
+              <a:buClrTx/>
+              <a:buSzTx/>
+              <a:buFontTx/>
+              <a:buNone/>
+              <a:tabLst/>
+            </a:pPr>
+            <a:endParaRPr kumimoji="1" lang="ko-KR" altLang="en-US" sz="1400" b="0" i="0" u="none" strike="noStrike" cap="none" normalizeH="0" baseline="0" dirty="0" err="1">
+              <a:ln>
+                <a:noFill/>
+              </a:ln>
+              <a:solidFill>
+                <a:schemeClr val="tx1"/>
+              </a:solidFill>
+              <a:effectLst/>
+              <a:latin typeface="맑은 고딕" panose="020B0503020000020004" pitchFamily="50" charset="-127"/>
+              <a:ea typeface="맑은 고딕" panose="020B0503020000020004" pitchFamily="50" charset="-127"/>
+            </a:endParaRPr>
+          </a:p>
+        </p:txBody>
+      </p:sp>
+      <p:sp>
+        <p:nvSpPr>
+          <p:cNvPr id="18" name="TextBox 17">
+            <a:extLst>
+              <a:ext uri="{FF2B5EF4-FFF2-40B4-BE49-F238E27FC236}">
+                <a16:creationId xmlns:a16="http://schemas.microsoft.com/office/drawing/2014/main" id="{7914F281-A392-4167-856D-7856C73D2586}"/>
+              </a:ext>
+            </a:extLst>
+          </p:cNvPr>
+          <p:cNvSpPr txBox="1"/>
+          <p:nvPr/>
+        </p:nvSpPr>
+        <p:spPr>
+          <a:xfrm>
+            <a:off x="759939" y="5883718"/>
+            <a:ext cx="227626" cy="246221"/>
+          </a:xfrm>
+          <a:prstGeom prst="rect">
+            <a:avLst/>
+          </a:prstGeom>
+          <a:solidFill>
+            <a:schemeClr val="bg1"/>
+          </a:solidFill>
+        </p:spPr>
+        <p:txBody>
+          <a:bodyPr wrap="none" lIns="0" tIns="0" rIns="0" bIns="0" rtlCol="0">
+            <a:spAutoFit/>
+          </a:bodyPr>
+          <a:lstStyle/>
+          <a:p>
+            <a:r>
+              <a:rPr lang="en-US" altLang="ko-KR" sz="1600" dirty="0">
+                <a:solidFill>
+                  <a:srgbClr val="FF0000"/>
+                </a:solidFill>
+                <a:latin typeface="맑은 고딕" panose="020B0503020000020004" pitchFamily="50" charset="-127"/>
+                <a:ea typeface="맑은 고딕" panose="020B0503020000020004" pitchFamily="50" charset="-127"/>
+              </a:rPr>
+              <a:t>07</a:t>
+            </a:r>
+            <a:endParaRPr lang="ko-KR" altLang="en-US" sz="1600" dirty="0">
+              <a:solidFill>
+                <a:srgbClr val="FF0000"/>
+              </a:solidFill>
+              <a:latin typeface="맑은 고딕" panose="020B0503020000020004" pitchFamily="50" charset="-127"/>
+              <a:ea typeface="맑은 고딕" panose="020B0503020000020004" pitchFamily="50" charset="-127"/>
+            </a:endParaRPr>
+          </a:p>
+        </p:txBody>
+      </p:sp>
+      <p:sp>
+        <p:nvSpPr>
+          <p:cNvPr id="30" name="TextBox 29">
+            <a:extLst>
+              <a:ext uri="{FF2B5EF4-FFF2-40B4-BE49-F238E27FC236}">
+                <a16:creationId xmlns:a16="http://schemas.microsoft.com/office/drawing/2014/main" id="{7411225B-2A40-4EF9-A38F-F41DA057715D}"/>
+              </a:ext>
+            </a:extLst>
+          </p:cNvPr>
+          <p:cNvSpPr txBox="1"/>
+          <p:nvPr/>
+        </p:nvSpPr>
+        <p:spPr>
+          <a:xfrm>
+            <a:off x="1358393" y="6028904"/>
+            <a:ext cx="147476" cy="246221"/>
+          </a:xfrm>
+          <a:prstGeom prst="rect">
+            <a:avLst/>
+          </a:prstGeom>
+          <a:solidFill>
+            <a:schemeClr val="bg1"/>
+          </a:solidFill>
+        </p:spPr>
+        <p:txBody>
+          <a:bodyPr wrap="square" lIns="0" tIns="0" rIns="0" bIns="0" rtlCol="0">
+            <a:spAutoFit/>
+          </a:bodyPr>
+          <a:lstStyle/>
+          <a:p>
+            <a:r>
+              <a:rPr lang="en-US" altLang="ko-KR" sz="1600" dirty="0">
+                <a:solidFill>
+                  <a:srgbClr val="FF0000"/>
+                </a:solidFill>
+                <a:latin typeface="맑은 고딕" panose="020B0503020000020004" pitchFamily="50" charset="-127"/>
+                <a:ea typeface="맑은 고딕" panose="020B0503020000020004" pitchFamily="50" charset="-127"/>
+              </a:rPr>
+              <a:t>E</a:t>
+            </a:r>
+            <a:endParaRPr lang="ko-KR" altLang="en-US" sz="1600" dirty="0">
+              <a:solidFill>
+                <a:srgbClr val="FF0000"/>
+              </a:solidFill>
+              <a:latin typeface="맑은 고딕" panose="020B0503020000020004" pitchFamily="50" charset="-127"/>
+              <a:ea typeface="맑은 고딕" panose="020B0503020000020004" pitchFamily="50" charset="-127"/>
+            </a:endParaRPr>
+          </a:p>
+        </p:txBody>
+      </p:sp>
+    </p:spTree>
+    <p:extLst>
+      <p:ext uri="{BB962C8B-B14F-4D97-AF65-F5344CB8AC3E}">
+        <p14:creationId xmlns:p14="http://schemas.microsoft.com/office/powerpoint/2010/main" val="974818439"/>
       </p:ext>
     </p:extLst>
   </p:cSld>

--- a/주요 classes.pptx
+++ b/주요 classes.pptx
@@ -6,13 +6,14 @@
     <p:sldMasterId id="2147483727" r:id="rId2"/>
   </p:sldMasterIdLst>
   <p:notesMasterIdLst>
-    <p:notesMasterId r:id="rId7"/>
+    <p:notesMasterId r:id="rId8"/>
   </p:notesMasterIdLst>
   <p:sldIdLst>
     <p:sldId id="310" r:id="rId3"/>
     <p:sldId id="311" r:id="rId4"/>
     <p:sldId id="312" r:id="rId5"/>
     <p:sldId id="313" r:id="rId6"/>
+    <p:sldId id="314" r:id="rId7"/>
   </p:sldIdLst>
   <p:sldSz cx="9144000" cy="6858000" type="screen4x3"/>
   <p:notesSz cx="6858000" cy="9144000"/>
@@ -185,6 +186,7 @@
             <p14:sldId id="311"/>
             <p14:sldId id="312"/>
             <p14:sldId id="313"/>
+            <p14:sldId id="314"/>
           </p14:sldIdLst>
         </p14:section>
       </p14:sectionLst>
@@ -7016,6 +7018,1052 @@
     <p:extLst>
       <p:ext uri="{BB962C8B-B14F-4D97-AF65-F5344CB8AC3E}">
         <p14:creationId xmlns:p14="http://schemas.microsoft.com/office/powerpoint/2010/main" val="974818439"/>
+      </p:ext>
+    </p:extLst>
+  </p:cSld>
+  <p:clrMapOvr>
+    <a:masterClrMapping/>
+  </p:clrMapOvr>
+</p:sld>
+</file>
+
+<file path=ppt/slides/slide5.xml><?xml version="1.0" encoding="utf-8"?>
+<p:sld xmlns:a="http://schemas.openxmlformats.org/drawingml/2006/main" xmlns:r="http://schemas.openxmlformats.org/officeDocument/2006/relationships" xmlns:p="http://schemas.openxmlformats.org/presentationml/2006/main">
+  <p:cSld>
+    <p:spTree>
+      <p:nvGrpSpPr>
+        <p:cNvPr id="1" name=""/>
+        <p:cNvGrpSpPr/>
+        <p:nvPr/>
+      </p:nvGrpSpPr>
+      <p:grpSpPr>
+        <a:xfrm>
+          <a:off x="0" y="0"/>
+          <a:ext cx="0" cy="0"/>
+          <a:chOff x="0" y="0"/>
+          <a:chExt cx="0" cy="0"/>
+        </a:xfrm>
+      </p:grpSpPr>
+      <p:sp>
+        <p:nvSpPr>
+          <p:cNvPr id="2" name="제목 1">
+            <a:extLst>
+              <a:ext uri="{FF2B5EF4-FFF2-40B4-BE49-F238E27FC236}">
+                <a16:creationId xmlns:a16="http://schemas.microsoft.com/office/drawing/2014/main" id="{F0FD7154-4968-4F09-9C8F-22FEED47BE1D}"/>
+              </a:ext>
+            </a:extLst>
+          </p:cNvPr>
+          <p:cNvSpPr>
+            <a:spLocks noGrp="1"/>
+          </p:cNvSpPr>
+          <p:nvPr>
+            <p:ph type="title"/>
+          </p:nvPr>
+        </p:nvSpPr>
+        <p:spPr/>
+        <p:txBody>
+          <a:bodyPr/>
+          <a:lstStyle/>
+          <a:p>
+            <a:r>
+              <a:rPr lang="en-US" altLang="ko-KR" dirty="0" err="1"/>
+              <a:t>TrackEvent</a:t>
+            </a:r>
+            <a:r>
+              <a:rPr lang="en-US" altLang="ko-KR" dirty="0"/>
+              <a:t>: </a:t>
+            </a:r>
+            <a:r>
+              <a:rPr lang="en-US" altLang="ko-KR" dirty="0" err="1"/>
+              <a:t>JSoN</a:t>
+            </a:r>
+            <a:r>
+              <a:rPr lang="en-US" altLang="ko-KR" dirty="0"/>
+              <a:t> Format</a:t>
+            </a:r>
+            <a:endParaRPr lang="ko-KR" altLang="en-US" dirty="0"/>
+          </a:p>
+        </p:txBody>
+      </p:sp>
+      <p:sp>
+        <p:nvSpPr>
+          <p:cNvPr id="4" name="슬라이드 번호 개체 틀 3">
+            <a:extLst>
+              <a:ext uri="{FF2B5EF4-FFF2-40B4-BE49-F238E27FC236}">
+                <a16:creationId xmlns:a16="http://schemas.microsoft.com/office/drawing/2014/main" id="{C9B298DA-4266-44A8-93D0-CB4563B01B8D}"/>
+              </a:ext>
+            </a:extLst>
+          </p:cNvPr>
+          <p:cNvSpPr>
+            <a:spLocks noGrp="1"/>
+          </p:cNvSpPr>
+          <p:nvPr>
+            <p:ph type="sldNum" sz="quarter" idx="12"/>
+          </p:nvPr>
+        </p:nvSpPr>
+        <p:spPr/>
+        <p:txBody>
+          <a:bodyPr/>
+          <a:lstStyle/>
+          <a:p>
+            <a:pPr>
+              <a:defRPr/>
+            </a:pPr>
+            <a:fld id="{C306A839-116B-4D11-88AC-3399AE2BA410}" type="slidenum">
+              <a:rPr lang="en-US" altLang="ko-KR" smtClean="0"/>
+              <a:pPr>
+                <a:defRPr/>
+              </a:pPr>
+              <a:t>5</a:t>
+            </a:fld>
+            <a:endParaRPr lang="en-US" altLang="ko-KR"/>
+          </a:p>
+        </p:txBody>
+      </p:sp>
+      <p:grpSp>
+        <p:nvGrpSpPr>
+          <p:cNvPr id="40" name="그룹 39">
+            <a:extLst>
+              <a:ext uri="{FF2B5EF4-FFF2-40B4-BE49-F238E27FC236}">
+                <a16:creationId xmlns:a16="http://schemas.microsoft.com/office/drawing/2014/main" id="{9682A702-C48A-403D-83BC-B8E0675A2969}"/>
+              </a:ext>
+            </a:extLst>
+          </p:cNvPr>
+          <p:cNvGrpSpPr/>
+          <p:nvPr/>
+        </p:nvGrpSpPr>
+        <p:grpSpPr>
+          <a:xfrm>
+            <a:off x="971600" y="2132856"/>
+            <a:ext cx="6957879" cy="3232614"/>
+            <a:chOff x="827584" y="2041137"/>
+            <a:chExt cx="6957879" cy="3232614"/>
+          </a:xfrm>
+        </p:grpSpPr>
+        <p:sp>
+          <p:nvSpPr>
+            <p:cNvPr id="5" name="TextBox 4">
+              <a:extLst>
+                <a:ext uri="{FF2B5EF4-FFF2-40B4-BE49-F238E27FC236}">
+                  <a16:creationId xmlns:a16="http://schemas.microsoft.com/office/drawing/2014/main" id="{1F2DAE3B-61E8-4C01-973A-EAB68FD4E945}"/>
+                </a:ext>
+              </a:extLst>
+            </p:cNvPr>
+            <p:cNvSpPr txBox="1"/>
+            <p:nvPr/>
+          </p:nvSpPr>
+          <p:spPr>
+            <a:xfrm>
+              <a:off x="827584" y="2132856"/>
+              <a:ext cx="5498300" cy="2708434"/>
+            </a:xfrm>
+            <a:prstGeom prst="rect">
+              <a:avLst/>
+            </a:prstGeom>
+            <a:noFill/>
+          </p:spPr>
+          <p:txBody>
+            <a:bodyPr wrap="none" lIns="0" tIns="0" rIns="0" bIns="0" rtlCol="0">
+              <a:spAutoFit/>
+            </a:bodyPr>
+            <a:lstStyle/>
+            <a:p>
+              <a:r>
+                <a:rPr lang="en-US" altLang="ko-KR" sz="1600" dirty="0">
+                  <a:latin typeface="Consolas" panose="020B0609020204030204" pitchFamily="49" charset="0"/>
+                  <a:ea typeface="맑은 고딕" panose="020B0503020000020004" pitchFamily="50" charset="-127"/>
+                </a:rPr>
+                <a:t>{</a:t>
+              </a:r>
+            </a:p>
+            <a:p>
+              <a:r>
+                <a:rPr lang="en-US" altLang="ko-KR" sz="1600" dirty="0">
+                  <a:latin typeface="Consolas" panose="020B0609020204030204" pitchFamily="49" charset="0"/>
+                  <a:ea typeface="맑은 고딕" panose="020B0503020000020004" pitchFamily="50" charset="-127"/>
+                </a:rPr>
+                <a:t>  “node”: “etri:04”,</a:t>
+              </a:r>
+            </a:p>
+            <a:p>
+              <a:r>
+                <a:rPr lang="en-US" altLang="ko-KR" sz="1600" dirty="0">
+                  <a:latin typeface="Consolas" panose="020B0609020204030204" pitchFamily="49" charset="0"/>
+                  <a:ea typeface="맑은 고딕" panose="020B0503020000020004" pitchFamily="50" charset="-127"/>
+                </a:rPr>
+                <a:t>  “</a:t>
+              </a:r>
+              <a:r>
+                <a:rPr lang="en-US" altLang="ko-KR" sz="1600" dirty="0" err="1">
+                  <a:latin typeface="Consolas" panose="020B0609020204030204" pitchFamily="49" charset="0"/>
+                  <a:ea typeface="맑은 고딕" panose="020B0503020000020004" pitchFamily="50" charset="-127"/>
+                </a:rPr>
+                <a:t>track_id</a:t>
+              </a:r>
+              <a:r>
+                <a:rPr lang="en-US" altLang="ko-KR" sz="1600" dirty="0">
+                  <a:latin typeface="Consolas" panose="020B0609020204030204" pitchFamily="49" charset="0"/>
+                  <a:ea typeface="맑은 고딕" panose="020B0503020000020004" pitchFamily="50" charset="-127"/>
+                </a:rPr>
+                <a:t>”: “1”,</a:t>
+              </a:r>
+            </a:p>
+            <a:p>
+              <a:r>
+                <a:rPr lang="en-US" altLang="ko-KR" sz="1600" dirty="0">
+                  <a:latin typeface="Consolas" panose="020B0609020204030204" pitchFamily="49" charset="0"/>
+                  <a:ea typeface="맑은 고딕" panose="020B0503020000020004" pitchFamily="50" charset="-127"/>
+                </a:rPr>
+                <a:t>  “state”: “Confirmed”,</a:t>
+              </a:r>
+            </a:p>
+            <a:p>
+              <a:r>
+                <a:rPr lang="en-US" altLang="ko-KR" sz="1600" dirty="0">
+                  <a:latin typeface="Consolas" panose="020B0609020204030204" pitchFamily="49" charset="0"/>
+                  <a:ea typeface="맑은 고딕" panose="020B0503020000020004" pitchFamily="50" charset="-127"/>
+                </a:rPr>
+                <a:t>  “location”: [387.79,649.97,732.72,947.65],</a:t>
+              </a:r>
+            </a:p>
+            <a:p>
+              <a:r>
+                <a:rPr lang="en-US" altLang="ko-KR" sz="1600" dirty="0">
+                  <a:latin typeface="Consolas" panose="020B0609020204030204" pitchFamily="49" charset="0"/>
+                  <a:ea typeface="맑은 고딕" panose="020B0503020000020004" pitchFamily="50" charset="-127"/>
+                </a:rPr>
+                <a:t>  “</a:t>
+              </a:r>
+              <a:r>
+                <a:rPr lang="en-US" altLang="ko-KR" sz="1600" dirty="0" err="1">
+                  <a:latin typeface="Consolas" panose="020B0609020204030204" pitchFamily="49" charset="0"/>
+                  <a:ea typeface="맑은 고딕" panose="020B0503020000020004" pitchFamily="50" charset="-127"/>
+                </a:rPr>
+                <a:t>frame_index</a:t>
+              </a:r>
+              <a:r>
+                <a:rPr lang="en-US" altLang="ko-KR" sz="1600" dirty="0">
+                  <a:latin typeface="Consolas" panose="020B0609020204030204" pitchFamily="49" charset="0"/>
+                  <a:ea typeface="맑은 고딕" panose="020B0503020000020004" pitchFamily="50" charset="-127"/>
+                </a:rPr>
+                <a:t>”: 86,</a:t>
+              </a:r>
+            </a:p>
+            <a:p>
+              <a:r>
+                <a:rPr lang="en-US" altLang="ko-KR" sz="1600" dirty="0">
+                  <a:latin typeface="Consolas" panose="020B0609020204030204" pitchFamily="49" charset="0"/>
+                  <a:ea typeface="맑은 고딕" panose="020B0503020000020004" pitchFamily="50" charset="-127"/>
+                </a:rPr>
+                <a:t>  “</a:t>
+              </a:r>
+              <a:r>
+                <a:rPr lang="en-US" altLang="ko-KR" sz="1600" dirty="0" err="1">
+                  <a:latin typeface="Consolas" panose="020B0609020204030204" pitchFamily="49" charset="0"/>
+                  <a:ea typeface="맑은 고딕" panose="020B0503020000020004" pitchFamily="50" charset="-127"/>
+                </a:rPr>
+                <a:t>ts</a:t>
+              </a:r>
+              <a:r>
+                <a:rPr lang="en-US" altLang="ko-KR" sz="1600" dirty="0">
+                  <a:latin typeface="Consolas" panose="020B0609020204030204" pitchFamily="49" charset="0"/>
+                  <a:ea typeface="맑은 고딕" panose="020B0503020000020004" pitchFamily="50" charset="-127"/>
+                </a:rPr>
+                <a:t>”: 1679886604539,</a:t>
+              </a:r>
+            </a:p>
+            <a:p>
+              <a:r>
+                <a:rPr lang="en-US" altLang="ko-KR" sz="1600" dirty="0">
+                  <a:latin typeface="Consolas" panose="020B0609020204030204" pitchFamily="49" charset="0"/>
+                  <a:ea typeface="맑은 고딕" panose="020B0503020000020004" pitchFamily="50" charset="-127"/>
+                </a:rPr>
+                <a:t>  “</a:t>
+              </a:r>
+              <a:r>
+                <a:rPr lang="en-US" altLang="ko-KR" sz="1600" dirty="0" err="1">
+                  <a:latin typeface="Consolas" panose="020B0609020204030204" pitchFamily="49" charset="0"/>
+                  <a:ea typeface="맑은 고딕" panose="020B0503020000020004" pitchFamily="50" charset="-127"/>
+                </a:rPr>
+                <a:t>world_coord</a:t>
+              </a:r>
+              <a:r>
+                <a:rPr lang="en-US" altLang="ko-KR" sz="1600" dirty="0">
+                  <a:latin typeface="Consolas" panose="020B0609020204030204" pitchFamily="49" charset="0"/>
+                  <a:ea typeface="맑은 고딕" panose="020B0503020000020004" pitchFamily="50" charset="-127"/>
+                </a:rPr>
+                <a:t>”: [232852.4917711,420273.9575318],</a:t>
+              </a:r>
+            </a:p>
+            <a:p>
+              <a:r>
+                <a:rPr lang="en-US" altLang="ko-KR" sz="1600" dirty="0">
+                  <a:latin typeface="Consolas" panose="020B0609020204030204" pitchFamily="49" charset="0"/>
+                  <a:ea typeface="맑은 고딕" panose="020B0503020000020004" pitchFamily="50" charset="-127"/>
+                </a:rPr>
+                <a:t>  “distance”: 11.313,</a:t>
+              </a:r>
+            </a:p>
+            <a:p>
+              <a:r>
+                <a:rPr lang="en-US" altLang="ko-KR" sz="1600" dirty="0">
+                  <a:latin typeface="Consolas" panose="020B0609020204030204" pitchFamily="49" charset="0"/>
+                  <a:ea typeface="맑은 고딕" panose="020B0503020000020004" pitchFamily="50" charset="-127"/>
+                </a:rPr>
+                <a:t>  “</a:t>
+              </a:r>
+              <a:r>
+                <a:rPr lang="en-US" altLang="ko-KR" sz="1600" dirty="0" err="1">
+                  <a:latin typeface="Consolas" panose="020B0609020204030204" pitchFamily="49" charset="0"/>
+                  <a:ea typeface="맑은 고딕" panose="020B0503020000020004" pitchFamily="50" charset="-127"/>
+                </a:rPr>
+                <a:t>zone_relation</a:t>
+              </a:r>
+              <a:r>
+                <a:rPr lang="en-US" altLang="ko-KR" sz="1600" dirty="0">
+                  <a:latin typeface="Consolas" panose="020B0609020204030204" pitchFamily="49" charset="0"/>
+                  <a:ea typeface="맑은 고딕" panose="020B0503020000020004" pitchFamily="50" charset="-127"/>
+                </a:rPr>
+                <a:t>”: “E(C)”</a:t>
+              </a:r>
+            </a:p>
+            <a:p>
+              <a:r>
+                <a:rPr lang="en-US" altLang="ko-KR" sz="1600" dirty="0">
+                  <a:latin typeface="Consolas" panose="020B0609020204030204" pitchFamily="49" charset="0"/>
+                  <a:ea typeface="맑은 고딕" panose="020B0503020000020004" pitchFamily="50" charset="-127"/>
+                </a:rPr>
+                <a:t>}</a:t>
+              </a:r>
+              <a:endParaRPr lang="ko-KR" altLang="en-US" sz="1600" dirty="0">
+                <a:latin typeface="Consolas" panose="020B0609020204030204" pitchFamily="49" charset="0"/>
+                <a:ea typeface="맑은 고딕" panose="020B0503020000020004" pitchFamily="50" charset="-127"/>
+              </a:endParaRPr>
+            </a:p>
+          </p:txBody>
+        </p:sp>
+        <p:sp>
+          <p:nvSpPr>
+            <p:cNvPr id="6" name="TextBox 5">
+              <a:extLst>
+                <a:ext uri="{FF2B5EF4-FFF2-40B4-BE49-F238E27FC236}">
+                  <a16:creationId xmlns:a16="http://schemas.microsoft.com/office/drawing/2014/main" id="{701CEEBE-8931-428B-BC69-ABA4A6981207}"/>
+                </a:ext>
+              </a:extLst>
+            </p:cNvPr>
+            <p:cNvSpPr txBox="1"/>
+            <p:nvPr/>
+          </p:nvSpPr>
+          <p:spPr>
+            <a:xfrm>
+              <a:off x="4924349" y="2757140"/>
+              <a:ext cx="1425903" cy="215444"/>
+            </a:xfrm>
+            <a:prstGeom prst="rect">
+              <a:avLst/>
+            </a:prstGeom>
+            <a:noFill/>
+          </p:spPr>
+          <p:txBody>
+            <a:bodyPr wrap="none" lIns="0" tIns="0" rIns="0" bIns="0" rtlCol="0">
+              <a:spAutoFit/>
+            </a:bodyPr>
+            <a:lstStyle/>
+            <a:p>
+              <a:r>
+                <a:rPr lang="ko-KR" altLang="en-US" sz="1400" dirty="0">
+                  <a:solidFill>
+                    <a:srgbClr val="990002"/>
+                  </a:solidFill>
+                  <a:latin typeface="맑은 고딕" panose="020B0503020000020004" pitchFamily="50" charset="-127"/>
+                  <a:ea typeface="맑은 고딕" panose="020B0503020000020004" pitchFamily="50" charset="-127"/>
+                </a:rPr>
+                <a:t>영상내 </a:t>
+              </a:r>
+              <a:r>
+                <a:rPr lang="en-US" altLang="ko-KR" sz="1400" dirty="0" err="1">
+                  <a:solidFill>
+                    <a:srgbClr val="990002"/>
+                  </a:solidFill>
+                  <a:latin typeface="맑은 고딕" panose="020B0503020000020004" pitchFamily="50" charset="-127"/>
+                  <a:ea typeface="맑은 고딕" panose="020B0503020000020004" pitchFamily="50" charset="-127"/>
+                </a:rPr>
+                <a:t>bbox</a:t>
+              </a:r>
+              <a:r>
+                <a:rPr lang="en-US" altLang="ko-KR" sz="1400" dirty="0">
+                  <a:solidFill>
+                    <a:srgbClr val="990002"/>
+                  </a:solidFill>
+                  <a:latin typeface="맑은 고딕" panose="020B0503020000020004" pitchFamily="50" charset="-127"/>
+                  <a:ea typeface="맑은 고딕" panose="020B0503020000020004" pitchFamily="50" charset="-127"/>
+                </a:rPr>
+                <a:t> </a:t>
+              </a:r>
+              <a:r>
+                <a:rPr lang="ko-KR" altLang="en-US" sz="1400" dirty="0">
+                  <a:solidFill>
+                    <a:srgbClr val="990002"/>
+                  </a:solidFill>
+                  <a:latin typeface="맑은 고딕" panose="020B0503020000020004" pitchFamily="50" charset="-127"/>
+                  <a:ea typeface="맑은 고딕" panose="020B0503020000020004" pitchFamily="50" charset="-127"/>
+                </a:rPr>
+                <a:t>좌표</a:t>
+              </a:r>
+            </a:p>
+          </p:txBody>
+        </p:sp>
+        <p:cxnSp>
+          <p:nvCxnSpPr>
+            <p:cNvPr id="8" name="직선 화살표 연결선 7">
+              <a:extLst>
+                <a:ext uri="{FF2B5EF4-FFF2-40B4-BE49-F238E27FC236}">
+                  <a16:creationId xmlns:a16="http://schemas.microsoft.com/office/drawing/2014/main" id="{099F1D9C-7B84-4FD6-BB15-BD948540B657}"/>
+                </a:ext>
+              </a:extLst>
+            </p:cNvPr>
+            <p:cNvCxnSpPr>
+              <a:cxnSpLocks/>
+              <a:stCxn id="6" idx="1"/>
+            </p:cNvCxnSpPr>
+            <p:nvPr/>
+          </p:nvCxnSpPr>
+          <p:spPr bwMode="auto">
+            <a:xfrm flipH="1">
+              <a:off x="4427984" y="2864862"/>
+              <a:ext cx="496365" cy="294168"/>
+            </a:xfrm>
+            <a:prstGeom prst="straightConnector1">
+              <a:avLst/>
+            </a:prstGeom>
+            <a:solidFill>
+              <a:schemeClr val="bg1"/>
+            </a:solidFill>
+            <a:ln w="25400" cap="flat" cmpd="sng" algn="ctr">
+              <a:solidFill>
+                <a:srgbClr val="C00000"/>
+              </a:solidFill>
+              <a:prstDash val="solid"/>
+              <a:round/>
+              <a:headEnd type="none" w="med" len="med"/>
+              <a:tailEnd type="triangle" w="lg" len="lg"/>
+            </a:ln>
+            <a:effectLst/>
+          </p:spPr>
+        </p:cxnSp>
+        <p:sp>
+          <p:nvSpPr>
+            <p:cNvPr id="10" name="TextBox 9">
+              <a:extLst>
+                <a:ext uri="{FF2B5EF4-FFF2-40B4-BE49-F238E27FC236}">
+                  <a16:creationId xmlns:a16="http://schemas.microsoft.com/office/drawing/2014/main" id="{C5B6AAD3-3BB0-40D1-BB5F-0F13C4253266}"/>
+                </a:ext>
+              </a:extLst>
+            </p:cNvPr>
+            <p:cNvSpPr txBox="1"/>
+            <p:nvPr/>
+          </p:nvSpPr>
+          <p:spPr>
+            <a:xfrm>
+              <a:off x="3912725" y="3573264"/>
+              <a:ext cx="922688" cy="215444"/>
+            </a:xfrm>
+            <a:prstGeom prst="rect">
+              <a:avLst/>
+            </a:prstGeom>
+            <a:noFill/>
+          </p:spPr>
+          <p:txBody>
+            <a:bodyPr wrap="none" lIns="0" tIns="0" rIns="0" bIns="0" rtlCol="0">
+              <a:spAutoFit/>
+            </a:bodyPr>
+            <a:lstStyle/>
+            <a:p>
+              <a:r>
+                <a:rPr lang="en-US" altLang="ko-KR" sz="1400" dirty="0" err="1">
+                  <a:solidFill>
+                    <a:srgbClr val="990002"/>
+                  </a:solidFill>
+                  <a:latin typeface="맑은 고딕" panose="020B0503020000020004" pitchFamily="50" charset="-127"/>
+                  <a:ea typeface="맑은 고딕" panose="020B0503020000020004" pitchFamily="50" charset="-127"/>
+                </a:rPr>
+                <a:t>millis</a:t>
+              </a:r>
+              <a:r>
+                <a:rPr lang="en-US" altLang="ko-KR" sz="1400" dirty="0">
+                  <a:solidFill>
+                    <a:srgbClr val="990002"/>
+                  </a:solidFill>
+                  <a:latin typeface="맑은 고딕" panose="020B0503020000020004" pitchFamily="50" charset="-127"/>
+                  <a:ea typeface="맑은 고딕" panose="020B0503020000020004" pitchFamily="50" charset="-127"/>
+                </a:rPr>
+                <a:t> (UTC)</a:t>
+              </a:r>
+              <a:endParaRPr lang="ko-KR" altLang="en-US" sz="1400" dirty="0">
+                <a:solidFill>
+                  <a:srgbClr val="990002"/>
+                </a:solidFill>
+                <a:latin typeface="맑은 고딕" panose="020B0503020000020004" pitchFamily="50" charset="-127"/>
+                <a:ea typeface="맑은 고딕" panose="020B0503020000020004" pitchFamily="50" charset="-127"/>
+              </a:endParaRPr>
+            </a:p>
+          </p:txBody>
+        </p:sp>
+        <p:sp>
+          <p:nvSpPr>
+            <p:cNvPr id="11" name="TextBox 10">
+              <a:extLst>
+                <a:ext uri="{FF2B5EF4-FFF2-40B4-BE49-F238E27FC236}">
+                  <a16:creationId xmlns:a16="http://schemas.microsoft.com/office/drawing/2014/main" id="{F7DB9723-78D2-49D1-A691-086CB3386DD0}"/>
+                </a:ext>
+              </a:extLst>
+            </p:cNvPr>
+            <p:cNvSpPr txBox="1"/>
+            <p:nvPr/>
+          </p:nvSpPr>
+          <p:spPr>
+            <a:xfrm>
+              <a:off x="5796136" y="3573264"/>
+              <a:ext cx="1989327" cy="215444"/>
+            </a:xfrm>
+            <a:prstGeom prst="rect">
+              <a:avLst/>
+            </a:prstGeom>
+            <a:noFill/>
+          </p:spPr>
+          <p:txBody>
+            <a:bodyPr wrap="none" lIns="0" tIns="0" rIns="0" bIns="0" rtlCol="0">
+              <a:spAutoFit/>
+            </a:bodyPr>
+            <a:lstStyle/>
+            <a:p>
+              <a:r>
+                <a:rPr lang="ko-KR" altLang="en-US" sz="1400" dirty="0" err="1">
+                  <a:solidFill>
+                    <a:srgbClr val="990002"/>
+                  </a:solidFill>
+                  <a:latin typeface="맑은 고딕" panose="020B0503020000020004" pitchFamily="50" charset="-127"/>
+                  <a:ea typeface="맑은 고딕" panose="020B0503020000020004" pitchFamily="50" charset="-127"/>
+                </a:rPr>
+                <a:t>실세계</a:t>
+              </a:r>
+              <a:r>
+                <a:rPr lang="ko-KR" altLang="en-US" sz="1400" dirty="0">
+                  <a:solidFill>
+                    <a:srgbClr val="990002"/>
+                  </a:solidFill>
+                  <a:latin typeface="맑은 고딕" panose="020B0503020000020004" pitchFamily="50" charset="-127"/>
+                  <a:ea typeface="맑은 고딕" panose="020B0503020000020004" pitchFamily="50" charset="-127"/>
+                </a:rPr>
+                <a:t> 좌표 </a:t>
+              </a:r>
+              <a:r>
+                <a:rPr lang="en-US" altLang="ko-KR" sz="1400" dirty="0">
+                  <a:solidFill>
+                    <a:srgbClr val="990002"/>
+                  </a:solidFill>
+                  <a:latin typeface="맑은 고딕" panose="020B0503020000020004" pitchFamily="50" charset="-127"/>
+                  <a:ea typeface="맑은 고딕" panose="020B0503020000020004" pitchFamily="50" charset="-127"/>
+                </a:rPr>
+                <a:t>(EPSG:5186)</a:t>
+              </a:r>
+              <a:endParaRPr lang="ko-KR" altLang="en-US" sz="1400" dirty="0">
+                <a:solidFill>
+                  <a:srgbClr val="990002"/>
+                </a:solidFill>
+                <a:latin typeface="맑은 고딕" panose="020B0503020000020004" pitchFamily="50" charset="-127"/>
+                <a:ea typeface="맑은 고딕" panose="020B0503020000020004" pitchFamily="50" charset="-127"/>
+              </a:endParaRPr>
+            </a:p>
+          </p:txBody>
+        </p:sp>
+        <p:cxnSp>
+          <p:nvCxnSpPr>
+            <p:cNvPr id="12" name="직선 화살표 연결선 11">
+              <a:extLst>
+                <a:ext uri="{FF2B5EF4-FFF2-40B4-BE49-F238E27FC236}">
+                  <a16:creationId xmlns:a16="http://schemas.microsoft.com/office/drawing/2014/main" id="{3605BC24-8182-40A1-9627-1C4BECE88CAF}"/>
+                </a:ext>
+              </a:extLst>
+            </p:cNvPr>
+            <p:cNvCxnSpPr>
+              <a:cxnSpLocks/>
+              <a:stCxn id="11" idx="1"/>
+            </p:cNvCxnSpPr>
+            <p:nvPr/>
+          </p:nvCxnSpPr>
+          <p:spPr bwMode="auto">
+            <a:xfrm flipH="1">
+              <a:off x="5385182" y="3680986"/>
+              <a:ext cx="410954" cy="180062"/>
+            </a:xfrm>
+            <a:prstGeom prst="straightConnector1">
+              <a:avLst/>
+            </a:prstGeom>
+            <a:solidFill>
+              <a:schemeClr val="bg1"/>
+            </a:solidFill>
+            <a:ln w="25400" cap="flat" cmpd="sng" algn="ctr">
+              <a:solidFill>
+                <a:srgbClr val="C00000"/>
+              </a:solidFill>
+              <a:prstDash val="solid"/>
+              <a:round/>
+              <a:headEnd type="none" w="med" len="med"/>
+              <a:tailEnd type="triangle" w="lg" len="lg"/>
+            </a:ln>
+            <a:effectLst/>
+          </p:spPr>
+        </p:cxnSp>
+        <p:cxnSp>
+          <p:nvCxnSpPr>
+            <p:cNvPr id="15" name="직선 화살표 연결선 14">
+              <a:extLst>
+                <a:ext uri="{FF2B5EF4-FFF2-40B4-BE49-F238E27FC236}">
+                  <a16:creationId xmlns:a16="http://schemas.microsoft.com/office/drawing/2014/main" id="{A792F4A4-B123-4AA2-AD15-A13C348F6C6E}"/>
+                </a:ext>
+              </a:extLst>
+            </p:cNvPr>
+            <p:cNvCxnSpPr>
+              <a:cxnSpLocks/>
+            </p:cNvCxnSpPr>
+            <p:nvPr/>
+          </p:nvCxnSpPr>
+          <p:spPr bwMode="auto">
+            <a:xfrm flipH="1">
+              <a:off x="3275856" y="3690462"/>
+              <a:ext cx="576064" cy="0"/>
+            </a:xfrm>
+            <a:prstGeom prst="straightConnector1">
+              <a:avLst/>
+            </a:prstGeom>
+            <a:solidFill>
+              <a:schemeClr val="bg1"/>
+            </a:solidFill>
+            <a:ln w="25400" cap="flat" cmpd="sng" algn="ctr">
+              <a:solidFill>
+                <a:srgbClr val="C00000"/>
+              </a:solidFill>
+              <a:prstDash val="solid"/>
+              <a:round/>
+              <a:headEnd type="none" w="med" len="med"/>
+              <a:tailEnd type="triangle" w="lg" len="lg"/>
+            </a:ln>
+            <a:effectLst/>
+          </p:spPr>
+        </p:cxnSp>
+        <p:sp>
+          <p:nvSpPr>
+            <p:cNvPr id="21" name="TextBox 20">
+              <a:extLst>
+                <a:ext uri="{FF2B5EF4-FFF2-40B4-BE49-F238E27FC236}">
+                  <a16:creationId xmlns:a16="http://schemas.microsoft.com/office/drawing/2014/main" id="{2C9F1070-F9A7-43F0-A4AA-A8871606445E}"/>
+                </a:ext>
+              </a:extLst>
+            </p:cNvPr>
+            <p:cNvSpPr txBox="1"/>
+            <p:nvPr/>
+          </p:nvSpPr>
+          <p:spPr>
+            <a:xfrm>
+              <a:off x="4269554" y="4260195"/>
+              <a:ext cx="1829027" cy="215444"/>
+            </a:xfrm>
+            <a:prstGeom prst="rect">
+              <a:avLst/>
+            </a:prstGeom>
+            <a:noFill/>
+          </p:spPr>
+          <p:txBody>
+            <a:bodyPr wrap="none" lIns="0" tIns="0" rIns="0" bIns="0" rtlCol="0">
+              <a:spAutoFit/>
+            </a:bodyPr>
+            <a:lstStyle/>
+            <a:p>
+              <a:r>
+                <a:rPr lang="ko-KR" altLang="en-US" sz="1400" dirty="0" err="1">
+                  <a:solidFill>
+                    <a:srgbClr val="990002"/>
+                  </a:solidFill>
+                  <a:latin typeface="맑은 고딕" panose="020B0503020000020004" pitchFamily="50" charset="-127"/>
+                  <a:ea typeface="맑은 고딕" panose="020B0503020000020004" pitchFamily="50" charset="-127"/>
+                </a:rPr>
+                <a:t>카메라부터의</a:t>
+              </a:r>
+              <a:r>
+                <a:rPr lang="ko-KR" altLang="en-US" sz="1400" dirty="0">
+                  <a:solidFill>
+                    <a:srgbClr val="990002"/>
+                  </a:solidFill>
+                  <a:latin typeface="맑은 고딕" panose="020B0503020000020004" pitchFamily="50" charset="-127"/>
+                  <a:ea typeface="맑은 고딕" panose="020B0503020000020004" pitchFamily="50" charset="-127"/>
+                </a:rPr>
+                <a:t> 거리 </a:t>
+              </a:r>
+              <a:r>
+                <a:rPr lang="en-US" altLang="ko-KR" sz="1400" dirty="0">
+                  <a:solidFill>
+                    <a:srgbClr val="990002"/>
+                  </a:solidFill>
+                  <a:latin typeface="맑은 고딕" panose="020B0503020000020004" pitchFamily="50" charset="-127"/>
+                  <a:ea typeface="맑은 고딕" panose="020B0503020000020004" pitchFamily="50" charset="-127"/>
+                </a:rPr>
+                <a:t>(m)</a:t>
+              </a:r>
+              <a:endParaRPr lang="ko-KR" altLang="en-US" sz="1400" dirty="0">
+                <a:solidFill>
+                  <a:srgbClr val="990002"/>
+                </a:solidFill>
+                <a:latin typeface="맑은 고딕" panose="020B0503020000020004" pitchFamily="50" charset="-127"/>
+                <a:ea typeface="맑은 고딕" panose="020B0503020000020004" pitchFamily="50" charset="-127"/>
+              </a:endParaRPr>
+            </a:p>
+          </p:txBody>
+        </p:sp>
+        <p:cxnSp>
+          <p:nvCxnSpPr>
+            <p:cNvPr id="22" name="직선 화살표 연결선 21">
+              <a:extLst>
+                <a:ext uri="{FF2B5EF4-FFF2-40B4-BE49-F238E27FC236}">
+                  <a16:creationId xmlns:a16="http://schemas.microsoft.com/office/drawing/2014/main" id="{6A6847EB-6FE8-4134-AE5B-A53F039F6000}"/>
+                </a:ext>
+              </a:extLst>
+            </p:cNvPr>
+            <p:cNvCxnSpPr>
+              <a:cxnSpLocks/>
+            </p:cNvCxnSpPr>
+            <p:nvPr/>
+          </p:nvCxnSpPr>
+          <p:spPr bwMode="auto">
+            <a:xfrm flipH="1" flipV="1">
+              <a:off x="3131840" y="4202942"/>
+              <a:ext cx="1137714" cy="164975"/>
+            </a:xfrm>
+            <a:prstGeom prst="straightConnector1">
+              <a:avLst/>
+            </a:prstGeom>
+            <a:solidFill>
+              <a:schemeClr val="bg1"/>
+            </a:solidFill>
+            <a:ln w="25400" cap="flat" cmpd="sng" algn="ctr">
+              <a:solidFill>
+                <a:srgbClr val="C00000"/>
+              </a:solidFill>
+              <a:prstDash val="solid"/>
+              <a:round/>
+              <a:headEnd type="none" w="med" len="med"/>
+              <a:tailEnd type="triangle" w="lg" len="lg"/>
+            </a:ln>
+            <a:effectLst/>
+          </p:spPr>
+        </p:cxnSp>
+        <p:sp>
+          <p:nvSpPr>
+            <p:cNvPr id="27" name="TextBox 26">
+              <a:extLst>
+                <a:ext uri="{FF2B5EF4-FFF2-40B4-BE49-F238E27FC236}">
+                  <a16:creationId xmlns:a16="http://schemas.microsoft.com/office/drawing/2014/main" id="{F39883B9-1CD8-48F4-8E22-7966C7DF58DD}"/>
+                </a:ext>
+              </a:extLst>
+            </p:cNvPr>
+            <p:cNvSpPr txBox="1"/>
+            <p:nvPr/>
+          </p:nvSpPr>
+          <p:spPr>
+            <a:xfrm>
+              <a:off x="3576734" y="4842864"/>
+              <a:ext cx="2194512" cy="430887"/>
+            </a:xfrm>
+            <a:prstGeom prst="rect">
+              <a:avLst/>
+            </a:prstGeom>
+            <a:noFill/>
+          </p:spPr>
+          <p:txBody>
+            <a:bodyPr wrap="none" lIns="0" tIns="0" rIns="0" bIns="0" rtlCol="0">
+              <a:spAutoFit/>
+            </a:bodyPr>
+            <a:lstStyle/>
+            <a:p>
+              <a:r>
+                <a:rPr lang="ko-KR" altLang="en-US" sz="1400" dirty="0">
+                  <a:solidFill>
+                    <a:srgbClr val="990002"/>
+                  </a:solidFill>
+                  <a:latin typeface="맑은 고딕" panose="020B0503020000020004" pitchFamily="50" charset="-127"/>
+                  <a:ea typeface="맑은 고딕" panose="020B0503020000020004" pitchFamily="50" charset="-127"/>
+                </a:rPr>
+                <a:t>물체 위치와 </a:t>
+              </a:r>
+              <a:r>
+                <a:rPr lang="en-US" altLang="ko-KR" sz="1400" dirty="0">
+                  <a:solidFill>
+                    <a:srgbClr val="990002"/>
+                  </a:solidFill>
+                  <a:latin typeface="맑은 고딕" panose="020B0503020000020004" pitchFamily="50" charset="-127"/>
+                  <a:ea typeface="맑은 고딕" panose="020B0503020000020004" pitchFamily="50" charset="-127"/>
+                </a:rPr>
+                <a:t>zone</a:t>
+              </a:r>
+              <a:r>
+                <a:rPr lang="ko-KR" altLang="en-US" sz="1400" dirty="0">
+                  <a:solidFill>
+                    <a:srgbClr val="990002"/>
+                  </a:solidFill>
+                  <a:latin typeface="맑은 고딕" panose="020B0503020000020004" pitchFamily="50" charset="-127"/>
+                  <a:ea typeface="맑은 고딕" panose="020B0503020000020004" pitchFamily="50" charset="-127"/>
+                </a:rPr>
+                <a:t>과의 관계</a:t>
+              </a:r>
+              <a:endParaRPr lang="en-US" altLang="ko-KR" sz="1400" dirty="0">
+                <a:solidFill>
+                  <a:srgbClr val="990002"/>
+                </a:solidFill>
+                <a:latin typeface="맑은 고딕" panose="020B0503020000020004" pitchFamily="50" charset="-127"/>
+                <a:ea typeface="맑은 고딕" panose="020B0503020000020004" pitchFamily="50" charset="-127"/>
+              </a:endParaRPr>
+            </a:p>
+            <a:p>
+              <a:r>
+                <a:rPr lang="en-US" altLang="ko-KR" sz="1400" dirty="0">
+                  <a:solidFill>
+                    <a:srgbClr val="990002"/>
+                  </a:solidFill>
+                  <a:latin typeface="맑은 고딕" panose="020B0503020000020004" pitchFamily="50" charset="-127"/>
+                  <a:ea typeface="맑은 고딕" panose="020B0503020000020004" pitchFamily="50" charset="-127"/>
+                </a:rPr>
+                <a:t>U, E(Z), I(Z), L(Z), T(Z)</a:t>
+              </a:r>
+              <a:endParaRPr lang="ko-KR" altLang="en-US" sz="1400" dirty="0">
+                <a:solidFill>
+                  <a:srgbClr val="990002"/>
+                </a:solidFill>
+                <a:latin typeface="맑은 고딕" panose="020B0503020000020004" pitchFamily="50" charset="-127"/>
+                <a:ea typeface="맑은 고딕" panose="020B0503020000020004" pitchFamily="50" charset="-127"/>
+              </a:endParaRPr>
+            </a:p>
+          </p:txBody>
+        </p:sp>
+        <p:cxnSp>
+          <p:nvCxnSpPr>
+            <p:cNvPr id="28" name="직선 화살표 연결선 27">
+              <a:extLst>
+                <a:ext uri="{FF2B5EF4-FFF2-40B4-BE49-F238E27FC236}">
+                  <a16:creationId xmlns:a16="http://schemas.microsoft.com/office/drawing/2014/main" id="{1664838C-4F1F-4E05-8C5A-25AE59AEE79E}"/>
+                </a:ext>
+              </a:extLst>
+            </p:cNvPr>
+            <p:cNvCxnSpPr>
+              <a:cxnSpLocks/>
+            </p:cNvCxnSpPr>
+            <p:nvPr/>
+          </p:nvCxnSpPr>
+          <p:spPr bwMode="auto">
+            <a:xfrm flipH="1" flipV="1">
+              <a:off x="2987824" y="4575977"/>
+              <a:ext cx="576064" cy="371149"/>
+            </a:xfrm>
+            <a:prstGeom prst="straightConnector1">
+              <a:avLst/>
+            </a:prstGeom>
+            <a:solidFill>
+              <a:schemeClr val="bg1"/>
+            </a:solidFill>
+            <a:ln w="25400" cap="flat" cmpd="sng" algn="ctr">
+              <a:solidFill>
+                <a:srgbClr val="C00000"/>
+              </a:solidFill>
+              <a:prstDash val="solid"/>
+              <a:round/>
+              <a:headEnd type="none" w="med" len="med"/>
+              <a:tailEnd type="triangle" w="lg" len="lg"/>
+            </a:ln>
+            <a:effectLst/>
+          </p:spPr>
+        </p:cxnSp>
+        <p:sp>
+          <p:nvSpPr>
+            <p:cNvPr id="32" name="TextBox 31">
+              <a:extLst>
+                <a:ext uri="{FF2B5EF4-FFF2-40B4-BE49-F238E27FC236}">
+                  <a16:creationId xmlns:a16="http://schemas.microsoft.com/office/drawing/2014/main" id="{93903C29-1E0F-4B09-B4A0-69F4B1727225}"/>
+                </a:ext>
+              </a:extLst>
+            </p:cNvPr>
+            <p:cNvSpPr txBox="1"/>
+            <p:nvPr/>
+          </p:nvSpPr>
+          <p:spPr>
+            <a:xfrm>
+              <a:off x="3635406" y="2486369"/>
+              <a:ext cx="1801775" cy="215444"/>
+            </a:xfrm>
+            <a:prstGeom prst="rect">
+              <a:avLst/>
+            </a:prstGeom>
+            <a:noFill/>
+          </p:spPr>
+          <p:txBody>
+            <a:bodyPr wrap="none" lIns="0" tIns="0" rIns="0" bIns="0" rtlCol="0">
+              <a:spAutoFit/>
+            </a:bodyPr>
+            <a:lstStyle/>
+            <a:p>
+              <a:r>
+                <a:rPr lang="ko-KR" altLang="en-US" sz="1400" dirty="0">
+                  <a:solidFill>
+                    <a:srgbClr val="990002"/>
+                  </a:solidFill>
+                  <a:latin typeface="맑은 고딕" panose="020B0503020000020004" pitchFamily="50" charset="-127"/>
+                  <a:ea typeface="맑은 고딕" panose="020B0503020000020004" pitchFamily="50" charset="-127"/>
+                </a:rPr>
+                <a:t>영상내 </a:t>
+              </a:r>
+              <a:r>
+                <a:rPr lang="en-US" altLang="ko-KR" sz="1400" dirty="0" err="1">
+                  <a:solidFill>
+                    <a:srgbClr val="990002"/>
+                  </a:solidFill>
+                  <a:latin typeface="맑은 고딕" panose="020B0503020000020004" pitchFamily="50" charset="-127"/>
+                  <a:ea typeface="맑은 고딕" panose="020B0503020000020004" pitchFamily="50" charset="-127"/>
+                </a:rPr>
+                <a:t>tracklet</a:t>
+              </a:r>
+              <a:r>
+                <a:rPr lang="ko-KR" altLang="en-US" sz="1400" dirty="0">
+                  <a:solidFill>
+                    <a:srgbClr val="990002"/>
+                  </a:solidFill>
+                  <a:latin typeface="맑은 고딕" panose="020B0503020000020004" pitchFamily="50" charset="-127"/>
+                  <a:ea typeface="맑은 고딕" panose="020B0503020000020004" pitchFamily="50" charset="-127"/>
+                </a:rPr>
+                <a:t> 식별자</a:t>
+              </a:r>
+            </a:p>
+          </p:txBody>
+        </p:sp>
+        <p:cxnSp>
+          <p:nvCxnSpPr>
+            <p:cNvPr id="33" name="직선 화살표 연결선 32">
+              <a:extLst>
+                <a:ext uri="{FF2B5EF4-FFF2-40B4-BE49-F238E27FC236}">
+                  <a16:creationId xmlns:a16="http://schemas.microsoft.com/office/drawing/2014/main" id="{F419E590-93C3-49D1-B957-24D713E2CBBC}"/>
+                </a:ext>
+              </a:extLst>
+            </p:cNvPr>
+            <p:cNvCxnSpPr>
+              <a:cxnSpLocks/>
+              <a:stCxn id="32" idx="1"/>
+            </p:cNvCxnSpPr>
+            <p:nvPr/>
+          </p:nvCxnSpPr>
+          <p:spPr bwMode="auto">
+            <a:xfrm flipH="1">
+              <a:off x="2843808" y="2594091"/>
+              <a:ext cx="791598" cy="163049"/>
+            </a:xfrm>
+            <a:prstGeom prst="straightConnector1">
+              <a:avLst/>
+            </a:prstGeom>
+            <a:solidFill>
+              <a:schemeClr val="bg1"/>
+            </a:solidFill>
+            <a:ln w="25400" cap="flat" cmpd="sng" algn="ctr">
+              <a:solidFill>
+                <a:srgbClr val="C00000"/>
+              </a:solidFill>
+              <a:prstDash val="solid"/>
+              <a:round/>
+              <a:headEnd type="none" w="med" len="med"/>
+              <a:tailEnd type="triangle" w="lg" len="lg"/>
+            </a:ln>
+            <a:effectLst/>
+          </p:spPr>
+        </p:cxnSp>
+        <p:sp>
+          <p:nvSpPr>
+            <p:cNvPr id="36" name="TextBox 35">
+              <a:extLst>
+                <a:ext uri="{FF2B5EF4-FFF2-40B4-BE49-F238E27FC236}">
+                  <a16:creationId xmlns:a16="http://schemas.microsoft.com/office/drawing/2014/main" id="{9E53CBCB-9D60-462A-8BD6-610596559B5D}"/>
+                </a:ext>
+              </a:extLst>
+            </p:cNvPr>
+            <p:cNvSpPr txBox="1"/>
+            <p:nvPr/>
+          </p:nvSpPr>
+          <p:spPr>
+            <a:xfrm>
+              <a:off x="3342857" y="2041137"/>
+              <a:ext cx="1139736" cy="215444"/>
+            </a:xfrm>
+            <a:prstGeom prst="rect">
+              <a:avLst/>
+            </a:prstGeom>
+            <a:noFill/>
+          </p:spPr>
+          <p:txBody>
+            <a:bodyPr wrap="none" lIns="0" tIns="0" rIns="0" bIns="0" rtlCol="0">
+              <a:spAutoFit/>
+            </a:bodyPr>
+            <a:lstStyle/>
+            <a:p>
+              <a:r>
+                <a:rPr lang="ko-KR" altLang="en-US" sz="1400" dirty="0">
+                  <a:solidFill>
+                    <a:srgbClr val="990002"/>
+                  </a:solidFill>
+                  <a:latin typeface="맑은 고딕" panose="020B0503020000020004" pitchFamily="50" charset="-127"/>
+                  <a:ea typeface="맑은 고딕" panose="020B0503020000020004" pitchFamily="50" charset="-127"/>
+                </a:rPr>
+                <a:t>카메라 식별자</a:t>
+              </a:r>
+            </a:p>
+          </p:txBody>
+        </p:sp>
+        <p:cxnSp>
+          <p:nvCxnSpPr>
+            <p:cNvPr id="37" name="직선 화살표 연결선 36">
+              <a:extLst>
+                <a:ext uri="{FF2B5EF4-FFF2-40B4-BE49-F238E27FC236}">
+                  <a16:creationId xmlns:a16="http://schemas.microsoft.com/office/drawing/2014/main" id="{7EB466CF-2D45-4782-B6DE-C3D7A5F3D057}"/>
+                </a:ext>
+              </a:extLst>
+            </p:cNvPr>
+            <p:cNvCxnSpPr>
+              <a:cxnSpLocks/>
+              <a:stCxn id="36" idx="1"/>
+            </p:cNvCxnSpPr>
+            <p:nvPr/>
+          </p:nvCxnSpPr>
+          <p:spPr bwMode="auto">
+            <a:xfrm flipH="1">
+              <a:off x="2843808" y="2148859"/>
+              <a:ext cx="499049" cy="251844"/>
+            </a:xfrm>
+            <a:prstGeom prst="straightConnector1">
+              <a:avLst/>
+            </a:prstGeom>
+            <a:solidFill>
+              <a:schemeClr val="bg1"/>
+            </a:solidFill>
+            <a:ln w="25400" cap="flat" cmpd="sng" algn="ctr">
+              <a:solidFill>
+                <a:srgbClr val="C00000"/>
+              </a:solidFill>
+              <a:prstDash val="solid"/>
+              <a:round/>
+              <a:headEnd type="none" w="med" len="med"/>
+              <a:tailEnd type="triangle" w="lg" len="lg"/>
+            </a:ln>
+            <a:effectLst/>
+          </p:spPr>
+        </p:cxnSp>
+      </p:grpSp>
+    </p:spTree>
+    <p:extLst>
+      <p:ext uri="{BB962C8B-B14F-4D97-AF65-F5344CB8AC3E}">
+        <p14:creationId xmlns:p14="http://schemas.microsoft.com/office/powerpoint/2010/main" val="3132149189"/>
       </p:ext>
     </p:extLst>
   </p:cSld>
